--- a/digital portfolio ppt (3).pptx
+++ b/digital portfolio ppt (3).pptx
@@ -144,7 +144,7 @@
       </p:grpSpPr>
       <p:sp>
         <p:nvSpPr>
-          <p:cNvPr id="1048700" name="Header Placeholder 1"/>
+          <p:cNvPr id="1048701" name="Header Placeholder 1"/>
           <p:cNvSpPr>
             <a:spLocks noGrp="1"/>
           </p:cNvSpPr>
@@ -173,7 +173,7 @@
       </p:sp>
       <p:sp>
         <p:nvSpPr>
-          <p:cNvPr id="1048701" name="Date Placeholder 2"/>
+          <p:cNvPr id="1048702" name="Date Placeholder 2"/>
           <p:cNvSpPr>
             <a:spLocks noGrp="1"/>
           </p:cNvSpPr>
@@ -206,7 +206,7 @@
       </p:sp>
       <p:sp>
         <p:nvSpPr>
-          <p:cNvPr id="1048702" name="Slide Image Placeholder 3"/>
+          <p:cNvPr id="1048703" name="Slide Image Placeholder 3"/>
           <p:cNvSpPr>
             <a:spLocks noChangeAspect="1" noRot="1" noGrp="1"/>
           </p:cNvSpPr>
@@ -236,7 +236,7 @@
       </p:sp>
       <p:sp>
         <p:nvSpPr>
-          <p:cNvPr id="1048703" name="Notes Placeholder 4"/>
+          <p:cNvPr id="1048704" name="Notes Placeholder 4"/>
           <p:cNvSpPr>
             <a:spLocks noGrp="1"/>
           </p:cNvSpPr>
@@ -293,7 +293,7 @@
       </p:sp>
       <p:sp>
         <p:nvSpPr>
-          <p:cNvPr id="1048704" name="Footer Placeholder 5"/>
+          <p:cNvPr id="1048705" name="Footer Placeholder 5"/>
           <p:cNvSpPr>
             <a:spLocks noGrp="1"/>
           </p:cNvSpPr>
@@ -322,7 +322,7 @@
       </p:sp>
       <p:sp>
         <p:nvSpPr>
-          <p:cNvPr id="1048705" name="Slide Number Placeholder 6"/>
+          <p:cNvPr id="1048706" name="Slide Number Placeholder 6"/>
           <p:cNvSpPr>
             <a:spLocks noGrp="1"/>
           </p:cNvSpPr>
@@ -456,7 +456,7 @@
   <p:cSld>
     <p:spTree>
       <p:nvGrpSpPr>
-        <p:cNvPr id="34" name=""/>
+        <p:cNvPr id="28" name=""/>
         <p:cNvGrpSpPr/>
         <p:nvPr/>
       </p:nvGrpSpPr>
@@ -470,7 +470,7 @@
       </p:grpSpPr>
       <p:sp>
         <p:nvSpPr>
-          <p:cNvPr id="1048652" name="Slide Image Placeholder 1"/>
+          <p:cNvPr id="1048627" name="Slide Image Placeholder 1"/>
           <p:cNvSpPr>
             <a:spLocks noChangeAspect="1" noRot="1" noGrp="1"/>
           </p:cNvSpPr>
@@ -482,7 +482,7 @@
       </p:sp>
       <p:sp>
         <p:nvSpPr>
-          <p:cNvPr id="1048653" name="Notes Placeholder 2"/>
+          <p:cNvPr id="1048628" name="Notes Placeholder 2"/>
           <p:cNvSpPr>
             <a:spLocks noGrp="1"/>
           </p:cNvSpPr>
@@ -500,7 +500,7 @@
       </p:sp>
       <p:sp>
         <p:nvSpPr>
-          <p:cNvPr id="1048654" name="Slide Number Placeholder 3"/>
+          <p:cNvPr id="1048629" name="Slide Number Placeholder 3"/>
           <p:cNvSpPr>
             <a:spLocks noGrp="1"/>
           </p:cNvSpPr>
@@ -533,7 +533,7 @@
   <p:cSld name="Title Slide">
     <p:spTree>
       <p:nvGrpSpPr>
-        <p:cNvPr id="30" name=""/>
+        <p:cNvPr id="23" name=""/>
         <p:cNvGrpSpPr/>
         <p:nvPr/>
       </p:nvGrpSpPr>
@@ -547,7 +547,7 @@
       </p:grpSpPr>
       <p:sp>
         <p:nvSpPr>
-          <p:cNvPr id="1048640" name="Holder 2"/>
+          <p:cNvPr id="1048610" name="Holder 2"/>
           <p:cNvSpPr>
             <a:spLocks noGrp="1"/>
           </p:cNvSpPr>
@@ -582,7 +582,7 @@
       </p:sp>
       <p:sp>
         <p:nvSpPr>
-          <p:cNvPr id="1048641" name="Holder 3"/>
+          <p:cNvPr id="1048611" name="Holder 3"/>
           <p:cNvSpPr>
             <a:spLocks noGrp="1"/>
           </p:cNvSpPr>
@@ -606,7 +606,7 @@
       </p:sp>
       <p:sp>
         <p:nvSpPr>
-          <p:cNvPr id="1048642" name="Holder 4"/>
+          <p:cNvPr id="1048612" name="Holder 4"/>
           <p:cNvSpPr>
             <a:spLocks noGrp="1"/>
           </p:cNvSpPr>
@@ -633,7 +633,7 @@
       </p:sp>
       <p:sp>
         <p:nvSpPr>
-          <p:cNvPr id="1048643" name="Holder 5"/>
+          <p:cNvPr id="1048613" name="Holder 5"/>
           <p:cNvSpPr>
             <a:spLocks noGrp="1"/>
           </p:cNvSpPr>
@@ -666,7 +666,7 @@
       </p:sp>
       <p:sp>
         <p:nvSpPr>
-          <p:cNvPr id="1048644" name="Holder 6"/>
+          <p:cNvPr id="1048614" name="Holder 6"/>
           <p:cNvSpPr>
             <a:spLocks noGrp="1"/>
           </p:cNvSpPr>
@@ -732,7 +732,7 @@
       </p:grpSpPr>
       <p:sp>
         <p:nvSpPr>
-          <p:cNvPr id="1048686" name="Holder 2"/>
+          <p:cNvPr id="1048687" name="Holder 2"/>
           <p:cNvSpPr>
             <a:spLocks noGrp="1"/>
           </p:cNvSpPr>
@@ -759,7 +759,7 @@
       </p:sp>
       <p:sp>
         <p:nvSpPr>
-          <p:cNvPr id="1048687" name="Holder 3"/>
+          <p:cNvPr id="1048688" name="Holder 3"/>
           <p:cNvSpPr>
             <a:spLocks noGrp="1"/>
           </p:cNvSpPr>
@@ -775,7 +775,7 @@
       </p:sp>
       <p:sp>
         <p:nvSpPr>
-          <p:cNvPr id="1048688" name="Holder 4"/>
+          <p:cNvPr id="1048689" name="Holder 4"/>
           <p:cNvSpPr>
             <a:spLocks noGrp="1"/>
           </p:cNvSpPr>
@@ -802,7 +802,7 @@
       </p:sp>
       <p:sp>
         <p:nvSpPr>
-          <p:cNvPr id="1048689" name="Holder 5"/>
+          <p:cNvPr id="1048690" name="Holder 5"/>
           <p:cNvSpPr>
             <a:spLocks noGrp="1"/>
           </p:cNvSpPr>
@@ -835,7 +835,7 @@
       </p:sp>
       <p:sp>
         <p:nvSpPr>
-          <p:cNvPr id="1048690" name="Holder 6"/>
+          <p:cNvPr id="1048691" name="Holder 6"/>
           <p:cNvSpPr>
             <a:spLocks noGrp="1"/>
           </p:cNvSpPr>
@@ -901,7 +901,7 @@
       </p:grpSpPr>
       <p:sp>
         <p:nvSpPr>
-          <p:cNvPr id="1048691" name="Holder 2"/>
+          <p:cNvPr id="1048692" name="Holder 2"/>
           <p:cNvSpPr>
             <a:spLocks noGrp="1"/>
           </p:cNvSpPr>
@@ -928,7 +928,7 @@
       </p:sp>
       <p:sp>
         <p:nvSpPr>
-          <p:cNvPr id="1048692" name="Holder 3"/>
+          <p:cNvPr id="1048693" name="Holder 3"/>
           <p:cNvSpPr>
             <a:spLocks noGrp="1"/>
           </p:cNvSpPr>
@@ -952,7 +952,7 @@
       </p:sp>
       <p:sp>
         <p:nvSpPr>
-          <p:cNvPr id="1048693" name="Holder 4"/>
+          <p:cNvPr id="1048694" name="Holder 4"/>
           <p:cNvSpPr>
             <a:spLocks noGrp="1"/>
           </p:cNvSpPr>
@@ -976,7 +976,7 @@
       </p:sp>
       <p:sp>
         <p:nvSpPr>
-          <p:cNvPr id="1048694" name="Holder 5"/>
+          <p:cNvPr id="1048695" name="Holder 5"/>
           <p:cNvSpPr>
             <a:spLocks noGrp="1"/>
           </p:cNvSpPr>
@@ -1003,7 +1003,7 @@
       </p:sp>
       <p:sp>
         <p:nvSpPr>
-          <p:cNvPr id="1048695" name="Holder 6"/>
+          <p:cNvPr id="1048696" name="Holder 6"/>
           <p:cNvSpPr>
             <a:spLocks noGrp="1"/>
           </p:cNvSpPr>
@@ -1036,7 +1036,7 @@
       </p:sp>
       <p:sp>
         <p:nvSpPr>
-          <p:cNvPr id="1048696" name="Holder 7"/>
+          <p:cNvPr id="1048697" name="Holder 7"/>
           <p:cNvSpPr>
             <a:spLocks noGrp="1"/>
           </p:cNvSpPr>
@@ -1088,7 +1088,7 @@
   <p:cSld name="Title Only">
     <p:spTree>
       <p:nvGrpSpPr>
-        <p:cNvPr id="18" name=""/>
+        <p:cNvPr id="19" name=""/>
         <p:cNvGrpSpPr/>
         <p:nvPr/>
       </p:nvGrpSpPr>
@@ -1255,7 +1255,7 @@
       </p:grpSpPr>
       <p:sp>
         <p:nvSpPr>
-          <p:cNvPr id="1048697" name="Holder 2"/>
+          <p:cNvPr id="1048698" name="Holder 2"/>
           <p:cNvSpPr>
             <a:spLocks noGrp="1"/>
           </p:cNvSpPr>
@@ -1282,7 +1282,7 @@
       </p:sp>
       <p:sp>
         <p:nvSpPr>
-          <p:cNvPr id="1048698" name="Holder 3"/>
+          <p:cNvPr id="1048699" name="Holder 3"/>
           <p:cNvSpPr>
             <a:spLocks noGrp="1"/>
           </p:cNvSpPr>
@@ -1315,7 +1315,7 @@
       </p:sp>
       <p:sp>
         <p:nvSpPr>
-          <p:cNvPr id="1048699" name="Holder 4"/>
+          <p:cNvPr id="1048700" name="Holder 4"/>
           <p:cNvSpPr>
             <a:spLocks noGrp="1"/>
           </p:cNvSpPr>
@@ -1375,7 +1375,7 @@
     </p:bg>
     <p:spTree>
       <p:nvGrpSpPr>
-        <p:cNvPr id="12" name=""/>
+        <p:cNvPr id="13" name=""/>
         <p:cNvGrpSpPr/>
         <p:nvPr/>
       </p:nvGrpSpPr>
@@ -2171,7 +2171,7 @@
   <p:cSld>
     <p:spTree>
       <p:nvGrpSpPr>
-        <p:cNvPr id="31" name=""/>
+        <p:cNvPr id="25" name=""/>
         <p:cNvGrpSpPr/>
         <p:nvPr/>
       </p:nvGrpSpPr>
@@ -2185,7 +2185,7 @@
       </p:grpSpPr>
       <p:grpSp>
         <p:nvGrpSpPr>
-          <p:cNvPr id="32" name="object 2"/>
+          <p:cNvPr id="26" name="object 2"/>
           <p:cNvGrpSpPr/>
           <p:nvPr/>
         </p:nvGrpSpPr>
@@ -2199,7 +2199,7 @@
         </p:grpSpPr>
         <p:sp>
           <p:nvSpPr>
-            <p:cNvPr id="1048645" name="object 3"/>
+            <p:cNvPr id="1048620" name="object 3"/>
             <p:cNvSpPr/>
             <p:nvPr/>
           </p:nvSpPr>
@@ -2250,7 +2250,7 @@
         </p:sp>
         <p:sp>
           <p:nvSpPr>
-            <p:cNvPr id="1048646" name="object 4"/>
+            <p:cNvPr id="1048621" name="object 4"/>
             <p:cNvSpPr/>
             <p:nvPr/>
           </p:nvSpPr>
@@ -2302,7 +2302,7 @@
       </p:grpSp>
       <p:sp>
         <p:nvSpPr>
-          <p:cNvPr id="1048647" name="object 5"/>
+          <p:cNvPr id="1048622" name="object 5"/>
           <p:cNvSpPr/>
           <p:nvPr/>
         </p:nvSpPr>
@@ -2353,7 +2353,7 @@
       </p:sp>
       <p:sp>
         <p:nvSpPr>
-          <p:cNvPr id="1048648" name="object 6"/>
+          <p:cNvPr id="1048623" name="object 6"/>
           <p:cNvSpPr/>
           <p:nvPr/>
         </p:nvSpPr>
@@ -2404,7 +2404,7 @@
       </p:sp>
       <p:sp>
         <p:nvSpPr>
-          <p:cNvPr id="1048649" name="object 7"/>
+          <p:cNvPr id="1048624" name="object 7"/>
           <p:cNvSpPr txBox="1">
             <a:spLocks noGrp="1"/>
           </p:cNvSpPr>
@@ -2465,7 +2465,7 @@
       </p:sp>
       <p:pic>
         <p:nvPicPr>
-          <p:cNvPr id="2097161" name="object 9"/>
+          <p:cNvPr id="2097155" name="object 9"/>
           <p:cNvPicPr>
             <a:picLocks/>
           </p:cNvPicPr>
@@ -2487,7 +2487,7 @@
       </p:pic>
       <p:sp>
         <p:nvSpPr>
-          <p:cNvPr id="1048650" name="object 11"/>
+          <p:cNvPr id="1048625" name="object 11"/>
           <p:cNvSpPr txBox="1">
             <a:spLocks noGrp="1"/>
           </p:cNvSpPr>
@@ -2521,7 +2521,7 @@
       </p:sp>
       <p:sp>
         <p:nvSpPr>
-          <p:cNvPr id="1048651" name="TextBox 13" descr="STUDENT NAME: Madhavan T REGISTER NO AND NMID: asunm126212400641 DEPARTMENT: BCA COLLEGE: JAYA COLLEGE OF ARTS &amp; SCIENCE/UNIVERSITY OF MADRAS"/>
+          <p:cNvPr id="1048626" name="TextBox 13" descr="STUDENT NAME: Madhavan T REGISTER NO AND NMID: asunm126212400641 DEPARTMENT: BCA COLLEGE: JAYA COLLEGE OF ARTS &amp; SCIENCE/UNIVERSITY OF MADRAS"/>
           <p:cNvSpPr txBox="1"/>
           <p:nvPr/>
         </p:nvSpPr>
@@ -2809,7 +2809,7 @@
   <p:cSld>
     <p:spTree>
       <p:nvGrpSpPr>
-        <p:cNvPr id="39" name=""/>
+        <p:cNvPr id="21" name=""/>
         <p:cNvGrpSpPr/>
         <p:nvPr/>
       </p:nvGrpSpPr>
@@ -2823,7 +2823,7 @@
       </p:grpSpPr>
       <p:sp>
         <p:nvSpPr>
-          <p:cNvPr id="1048673" name="object 2"/>
+          <p:cNvPr id="1048601" name="object 2"/>
           <p:cNvSpPr txBox="1"/>
           <p:nvPr/>
         </p:nvSpPr>
@@ -2993,7 +2993,7 @@
       </p:sp>
       <p:sp>
         <p:nvSpPr>
-          <p:cNvPr id="1048674" name="object 3"/>
+          <p:cNvPr id="1048602" name="object 3"/>
           <p:cNvSpPr/>
           <p:nvPr/>
         </p:nvSpPr>
@@ -3038,7 +3038,7 @@
       </p:sp>
       <p:sp>
         <p:nvSpPr>
-          <p:cNvPr id="1048675" name="object 4"/>
+          <p:cNvPr id="1048603" name="object 4"/>
           <p:cNvSpPr/>
           <p:nvPr/>
         </p:nvSpPr>
@@ -3083,7 +3083,7 @@
       </p:sp>
       <p:sp>
         <p:nvSpPr>
-          <p:cNvPr id="1048676" name="object 5"/>
+          <p:cNvPr id="1048604" name="object 5"/>
           <p:cNvSpPr/>
           <p:nvPr/>
         </p:nvSpPr>
@@ -3128,7 +3128,7 @@
       </p:sp>
       <p:pic>
         <p:nvPicPr>
-          <p:cNvPr id="2097166" name="object 6"/>
+          <p:cNvPr id="2097153" name="object 6"/>
           <p:cNvPicPr>
             <a:picLocks/>
           </p:cNvPicPr>
@@ -3150,7 +3150,7 @@
       </p:pic>
       <p:sp>
         <p:nvSpPr>
-          <p:cNvPr id="1048677" name="object 7"/>
+          <p:cNvPr id="1048605" name="object 7"/>
           <p:cNvSpPr txBox="1">
             <a:spLocks noGrp="1"/>
           </p:cNvSpPr>
@@ -3188,7 +3188,7 @@
       </p:sp>
       <p:sp>
         <p:nvSpPr>
-          <p:cNvPr id="1048678" name="object 8"/>
+          <p:cNvPr id="1048606" name="object 8"/>
           <p:cNvSpPr txBox="1"/>
           <p:nvPr/>
         </p:nvSpPr>
@@ -3231,7 +3231,7 @@
       </p:sp>
       <p:sp>
         <p:nvSpPr>
-          <p:cNvPr id="1048679" name="TextBox 8"/>
+          <p:cNvPr id="1048607" name="TextBox 8"/>
           <p:cNvSpPr txBox="1"/>
           <p:nvPr/>
         </p:nvSpPr>
@@ -3282,6 +3282,28 @@
           </a:p>
         </p:txBody>
       </p:sp>
+      <p:pic>
+        <p:nvPicPr>
+          <p:cNvPr id="2097168" name=""/>
+          <p:cNvPicPr>
+            <a:picLocks/>
+          </p:cNvPicPr>
+          <p:nvPr/>
+        </p:nvPicPr>
+        <p:blipFill>
+          <a:blip xmlns:r="http://schemas.openxmlformats.org/officeDocument/2006/relationships" r:embed="rId2"/>
+          <a:stretch>
+            <a:fillRect/>
+          </a:stretch>
+        </p:blipFill>
+        <p:spPr>
+          <a:xfrm>
+            <a:off x="3327256" y="4115045"/>
+            <a:ext cx="5750069" cy="2723775"/>
+          </a:xfrm>
+          <a:prstGeom prst="rect"/>
+        </p:spPr>
+      </p:pic>
     </p:spTree>
   </p:cSld>
   <p:clrMapOvr>
@@ -3295,7 +3317,7 @@
   <p:cSld>
     <p:spTree>
       <p:nvGrpSpPr>
-        <p:cNvPr id="40" name=""/>
+        <p:cNvPr id="20" name=""/>
         <p:cNvGrpSpPr/>
         <p:nvPr/>
       </p:nvGrpSpPr>
@@ -3309,7 +3331,7 @@
       </p:grpSpPr>
       <p:sp>
         <p:nvSpPr>
-          <p:cNvPr id="1048680" name="object 3"/>
+          <p:cNvPr id="1048595" name="object 3"/>
           <p:cNvSpPr/>
           <p:nvPr/>
         </p:nvSpPr>
@@ -3354,7 +3376,7 @@
       </p:sp>
       <p:sp>
         <p:nvSpPr>
-          <p:cNvPr id="1048681" name="object 4"/>
+          <p:cNvPr id="1048596" name="object 4"/>
           <p:cNvSpPr/>
           <p:nvPr/>
         </p:nvSpPr>
@@ -3399,7 +3421,7 @@
       </p:sp>
       <p:sp>
         <p:nvSpPr>
-          <p:cNvPr id="1048682" name="object 5"/>
+          <p:cNvPr id="1048597" name="object 5"/>
           <p:cNvSpPr/>
           <p:nvPr/>
         </p:nvSpPr>
@@ -3444,7 +3466,7 @@
       </p:sp>
       <p:pic>
         <p:nvPicPr>
-          <p:cNvPr id="2097167" name="object 6"/>
+          <p:cNvPr id="2097152" name="object 6"/>
           <p:cNvPicPr>
             <a:picLocks/>
           </p:cNvPicPr>
@@ -3466,7 +3488,7 @@
       </p:pic>
       <p:sp>
         <p:nvSpPr>
-          <p:cNvPr id="1048683" name="object 7"/>
+          <p:cNvPr id="1048598" name="object 7"/>
           <p:cNvSpPr txBox="1">
             <a:spLocks noGrp="1"/>
           </p:cNvSpPr>
@@ -3504,7 +3526,7 @@
       </p:sp>
       <p:sp>
         <p:nvSpPr>
-          <p:cNvPr id="1048684" name="object 9"/>
+          <p:cNvPr id="1048599" name="object 9"/>
           <p:cNvSpPr txBox="1"/>
           <p:nvPr/>
         </p:nvSpPr>
@@ -3547,7 +3569,7 @@
       </p:sp>
       <p:sp>
         <p:nvSpPr>
-          <p:cNvPr id="1048685" name="Rectangle 1"/>
+          <p:cNvPr id="1048600" name="Rectangle 1"/>
           <p:cNvSpPr/>
           <p:nvPr/>
         </p:nvSpPr>
@@ -3589,7 +3611,7 @@
   <p:cSld>
     <p:spTree>
       <p:nvGrpSpPr>
-        <p:cNvPr id="25" name=""/>
+        <p:cNvPr id="29" name=""/>
         <p:cNvGrpSpPr/>
         <p:nvPr/>
       </p:nvGrpSpPr>
@@ -3603,7 +3625,7 @@
       </p:grpSpPr>
       <p:sp>
         <p:nvSpPr>
-          <p:cNvPr id="1048618" name="object 2"/>
+          <p:cNvPr id="1048630" name="object 2"/>
           <p:cNvSpPr/>
           <p:nvPr/>
         </p:nvSpPr>
@@ -3653,7 +3675,7 @@
       </p:sp>
       <p:grpSp>
         <p:nvGrpSpPr>
-          <p:cNvPr id="26" name="object 3"/>
+          <p:cNvPr id="30" name="object 3"/>
           <p:cNvGrpSpPr/>
           <p:nvPr/>
         </p:nvGrpSpPr>
@@ -3667,7 +3689,7 @@
         </p:grpSpPr>
         <p:sp>
           <p:nvSpPr>
-            <p:cNvPr id="1048619" name="object 4"/>
+            <p:cNvPr id="1048631" name="object 4"/>
             <p:cNvSpPr/>
             <p:nvPr/>
           </p:nvSpPr>
@@ -3704,7 +3726,7 @@
         </p:sp>
         <p:sp>
           <p:nvSpPr>
-            <p:cNvPr id="1048620" name="object 5"/>
+            <p:cNvPr id="1048632" name="object 5"/>
             <p:cNvSpPr/>
             <p:nvPr/>
           </p:nvSpPr>
@@ -3741,7 +3763,7 @@
         </p:sp>
         <p:sp>
           <p:nvSpPr>
-            <p:cNvPr id="1048621" name="object 6"/>
+            <p:cNvPr id="1048633" name="object 6"/>
             <p:cNvSpPr/>
             <p:nvPr/>
           </p:nvSpPr>
@@ -3788,7 +3810,7 @@
         </p:sp>
         <p:sp>
           <p:nvSpPr>
-            <p:cNvPr id="1048622" name="object 7"/>
+            <p:cNvPr id="1048634" name="object 7"/>
             <p:cNvSpPr/>
             <p:nvPr/>
           </p:nvSpPr>
@@ -3835,7 +3857,7 @@
         </p:sp>
         <p:sp>
           <p:nvSpPr>
-            <p:cNvPr id="1048623" name="object 8"/>
+            <p:cNvPr id="1048635" name="object 8"/>
             <p:cNvSpPr/>
             <p:nvPr/>
           </p:nvSpPr>
@@ -3879,7 +3901,7 @@
         </p:sp>
         <p:sp>
           <p:nvSpPr>
-            <p:cNvPr id="1048624" name="object 9"/>
+            <p:cNvPr id="1048636" name="object 9"/>
             <p:cNvSpPr/>
             <p:nvPr/>
           </p:nvSpPr>
@@ -3926,7 +3948,7 @@
         </p:sp>
         <p:sp>
           <p:nvSpPr>
-            <p:cNvPr id="1048625" name="object 10"/>
+            <p:cNvPr id="1048637" name="object 10"/>
             <p:cNvSpPr/>
             <p:nvPr/>
           </p:nvSpPr>
@@ -3973,7 +3995,7 @@
         </p:sp>
         <p:sp>
           <p:nvSpPr>
-            <p:cNvPr id="1048626" name="object 11"/>
+            <p:cNvPr id="1048638" name="object 11"/>
             <p:cNvSpPr/>
             <p:nvPr/>
           </p:nvSpPr>
@@ -4020,7 +4042,7 @@
         </p:sp>
         <p:sp>
           <p:nvSpPr>
-            <p:cNvPr id="1048627" name="object 12"/>
+            <p:cNvPr id="1048639" name="object 12"/>
             <p:cNvSpPr/>
             <p:nvPr/>
           </p:nvSpPr>
@@ -4065,7 +4087,7 @@
       </p:grpSp>
       <p:sp>
         <p:nvSpPr>
-          <p:cNvPr id="1048628" name="object 13"/>
+          <p:cNvPr id="1048640" name="object 13"/>
           <p:cNvSpPr/>
           <p:nvPr/>
         </p:nvSpPr>
@@ -4109,7 +4131,7 @@
       </p:sp>
       <p:sp>
         <p:nvSpPr>
-          <p:cNvPr id="1048629" name="object 14"/>
+          <p:cNvPr id="1048641" name="object 14"/>
           <p:cNvSpPr/>
           <p:nvPr/>
         </p:nvSpPr>
@@ -4154,7 +4176,7 @@
       </p:sp>
       <p:sp>
         <p:nvSpPr>
-          <p:cNvPr id="1048630" name="object 15"/>
+          <p:cNvPr id="1048642" name="object 15"/>
           <p:cNvSpPr/>
           <p:nvPr/>
         </p:nvSpPr>
@@ -4199,7 +4221,7 @@
       </p:sp>
       <p:sp>
         <p:nvSpPr>
-          <p:cNvPr id="1048631" name="object 16"/>
+          <p:cNvPr id="1048643" name="object 16"/>
           <p:cNvSpPr/>
           <p:nvPr/>
         </p:nvSpPr>
@@ -4244,7 +4266,7 @@
       </p:sp>
       <p:sp>
         <p:nvSpPr>
-          <p:cNvPr id="1048632" name="object 17"/>
+          <p:cNvPr id="1048644" name="object 17"/>
           <p:cNvSpPr txBox="1">
             <a:spLocks noGrp="1"/>
           </p:cNvSpPr>
@@ -4282,7 +4304,7 @@
       </p:sp>
       <p:grpSp>
         <p:nvGrpSpPr>
-          <p:cNvPr id="27" name="object 18"/>
+          <p:cNvPr id="31" name="object 18"/>
           <p:cNvGrpSpPr/>
           <p:nvPr/>
         </p:nvGrpSpPr>
@@ -4296,7 +4318,7 @@
         </p:grpSpPr>
         <p:pic>
           <p:nvPicPr>
-            <p:cNvPr id="2097157" name="object 19"/>
+            <p:cNvPr id="2097156" name="object 19"/>
             <p:cNvPicPr>
               <a:picLocks/>
             </p:cNvPicPr>
@@ -4318,7 +4340,7 @@
         </p:pic>
         <p:pic>
           <p:nvPicPr>
-            <p:cNvPr id="2097158" name="object 20"/>
+            <p:cNvPr id="2097157" name="object 20"/>
             <p:cNvPicPr>
               <a:picLocks/>
             </p:cNvPicPr>
@@ -4341,7 +4363,7 @@
       </p:grpSp>
       <p:sp>
         <p:nvSpPr>
-          <p:cNvPr id="1048633" name="object 22"/>
+          <p:cNvPr id="1048645" name="object 22"/>
           <p:cNvSpPr txBox="1">
             <a:spLocks noGrp="1"/>
           </p:cNvSpPr>
@@ -4386,7 +4408,7 @@
   <p:cSld>
     <p:spTree>
       <p:nvGrpSpPr>
-        <p:cNvPr id="19" name=""/>
+        <p:cNvPr id="32" name=""/>
         <p:cNvGrpSpPr/>
         <p:nvPr/>
       </p:nvGrpSpPr>
@@ -4400,7 +4422,7 @@
       </p:grpSpPr>
       <p:sp>
         <p:nvSpPr>
-          <p:cNvPr id="1048595" name="object 2"/>
+          <p:cNvPr id="1048646" name="object 2"/>
           <p:cNvSpPr/>
           <p:nvPr/>
         </p:nvSpPr>
@@ -4447,7 +4469,7 @@
       </p:sp>
       <p:grpSp>
         <p:nvGrpSpPr>
-          <p:cNvPr id="20" name="object 3"/>
+          <p:cNvPr id="33" name="object 3"/>
           <p:cNvGrpSpPr/>
           <p:nvPr/>
         </p:nvGrpSpPr>
@@ -4461,7 +4483,7 @@
         </p:grpSpPr>
         <p:sp>
           <p:nvSpPr>
-            <p:cNvPr id="1048596" name="object 4"/>
+            <p:cNvPr id="1048647" name="object 4"/>
             <p:cNvSpPr/>
             <p:nvPr/>
           </p:nvSpPr>
@@ -4498,7 +4520,7 @@
         </p:sp>
         <p:sp>
           <p:nvSpPr>
-            <p:cNvPr id="1048597" name="object 5"/>
+            <p:cNvPr id="1048648" name="object 5"/>
             <p:cNvSpPr/>
             <p:nvPr/>
           </p:nvSpPr>
@@ -4535,7 +4557,7 @@
         </p:sp>
         <p:sp>
           <p:nvSpPr>
-            <p:cNvPr id="1048598" name="object 6"/>
+            <p:cNvPr id="1048649" name="object 6"/>
             <p:cNvSpPr/>
             <p:nvPr/>
           </p:nvSpPr>
@@ -4582,7 +4604,7 @@
         </p:sp>
         <p:sp>
           <p:nvSpPr>
-            <p:cNvPr id="1048599" name="object 7"/>
+            <p:cNvPr id="1048650" name="object 7"/>
             <p:cNvSpPr/>
             <p:nvPr/>
           </p:nvSpPr>
@@ -4629,7 +4651,7 @@
         </p:sp>
         <p:sp>
           <p:nvSpPr>
-            <p:cNvPr id="1048600" name="object 8"/>
+            <p:cNvPr id="1048651" name="object 8"/>
             <p:cNvSpPr/>
             <p:nvPr/>
           </p:nvSpPr>
@@ -4673,7 +4695,7 @@
         </p:sp>
         <p:sp>
           <p:nvSpPr>
-            <p:cNvPr id="1048601" name="object 9"/>
+            <p:cNvPr id="1048652" name="object 9"/>
             <p:cNvSpPr/>
             <p:nvPr/>
           </p:nvSpPr>
@@ -4720,7 +4742,7 @@
         </p:sp>
         <p:sp>
           <p:nvSpPr>
-            <p:cNvPr id="1048602" name="object 10"/>
+            <p:cNvPr id="1048653" name="object 10"/>
             <p:cNvSpPr/>
             <p:nvPr/>
           </p:nvSpPr>
@@ -4767,7 +4789,7 @@
         </p:sp>
         <p:sp>
           <p:nvSpPr>
-            <p:cNvPr id="1048603" name="object 11"/>
+            <p:cNvPr id="1048654" name="object 11"/>
             <p:cNvSpPr/>
             <p:nvPr/>
           </p:nvSpPr>
@@ -4814,7 +4836,7 @@
         </p:sp>
         <p:sp>
           <p:nvSpPr>
-            <p:cNvPr id="1048604" name="object 12"/>
+            <p:cNvPr id="1048655" name="object 12"/>
             <p:cNvSpPr/>
             <p:nvPr/>
           </p:nvSpPr>
@@ -4859,7 +4881,7 @@
       </p:grpSp>
       <p:sp>
         <p:nvSpPr>
-          <p:cNvPr id="1048605" name="object 13"/>
+          <p:cNvPr id="1048656" name="object 13"/>
           <p:cNvSpPr/>
           <p:nvPr/>
         </p:nvSpPr>
@@ -4903,7 +4925,7 @@
       </p:sp>
       <p:sp>
         <p:nvSpPr>
-          <p:cNvPr id="1048606" name="object 14"/>
+          <p:cNvPr id="1048657" name="object 14"/>
           <p:cNvSpPr txBox="1"/>
           <p:nvPr/>
         </p:nvSpPr>
@@ -5073,7 +5095,7 @@
       </p:sp>
       <p:sp>
         <p:nvSpPr>
-          <p:cNvPr id="1048607" name="object 15"/>
+          <p:cNvPr id="1048658" name="object 15"/>
           <p:cNvSpPr/>
           <p:nvPr/>
         </p:nvSpPr>
@@ -5178,7 +5200,7 @@
       </p:sp>
       <p:sp>
         <p:nvSpPr>
-          <p:cNvPr id="1048608" name="object 16"/>
+          <p:cNvPr id="1048659" name="object 16"/>
           <p:cNvSpPr/>
           <p:nvPr/>
         </p:nvSpPr>
@@ -5343,7 +5365,7 @@
       </p:sp>
       <p:pic>
         <p:nvPicPr>
-          <p:cNvPr id="2097152" name="object 17"/>
+          <p:cNvPr id="2097158" name="object 17"/>
           <p:cNvPicPr>
             <a:picLocks/>
           </p:cNvPicPr>
@@ -5365,7 +5387,7 @@
       </p:pic>
       <p:grpSp>
         <p:nvGrpSpPr>
-          <p:cNvPr id="21" name="object 18"/>
+          <p:cNvPr id="34" name="object 18"/>
           <p:cNvGrpSpPr/>
           <p:nvPr/>
         </p:nvGrpSpPr>
@@ -5379,7 +5401,7 @@
         </p:grpSpPr>
         <p:pic>
           <p:nvPicPr>
-            <p:cNvPr id="2097153" name="object 19"/>
+            <p:cNvPr id="2097159" name="object 19"/>
             <p:cNvPicPr>
               <a:picLocks/>
             </p:cNvPicPr>
@@ -5401,7 +5423,7 @@
         </p:pic>
         <p:pic>
           <p:nvPicPr>
-            <p:cNvPr id="2097154" name="object 20"/>
+            <p:cNvPr id="2097160" name="object 20"/>
             <p:cNvPicPr>
               <a:picLocks/>
             </p:cNvPicPr>
@@ -5424,7 +5446,7 @@
       </p:grpSp>
       <p:sp>
         <p:nvSpPr>
-          <p:cNvPr id="1048609" name="object 21"/>
+          <p:cNvPr id="1048660" name="object 21"/>
           <p:cNvSpPr txBox="1">
             <a:spLocks noGrp="1"/>
           </p:cNvSpPr>
@@ -5477,7 +5499,7 @@
       </p:sp>
       <p:sp>
         <p:nvSpPr>
-          <p:cNvPr id="1048610" name="object 22"/>
+          <p:cNvPr id="1048661" name="object 22"/>
           <p:cNvSpPr txBox="1">
             <a:spLocks noGrp="1"/>
           </p:cNvSpPr>
@@ -5511,7 +5533,7 @@
       </p:sp>
       <p:sp>
         <p:nvSpPr>
-          <p:cNvPr id="1048611" name="TextBox 22"/>
+          <p:cNvPr id="1048662" name="TextBox 22"/>
           <p:cNvSpPr txBox="1"/>
           <p:nvPr/>
         </p:nvSpPr>
@@ -5761,7 +5783,7 @@
   <p:cSld>
     <p:spTree>
       <p:nvGrpSpPr>
-        <p:cNvPr id="23" name=""/>
+        <p:cNvPr id="35" name=""/>
         <p:cNvGrpSpPr/>
         <p:nvPr/>
       </p:nvGrpSpPr>
@@ -5775,7 +5797,7 @@
       </p:grpSpPr>
       <p:grpSp>
         <p:nvGrpSpPr>
-          <p:cNvPr id="24" name="object 2"/>
+          <p:cNvPr id="36" name="object 2"/>
           <p:cNvGrpSpPr/>
           <p:nvPr/>
         </p:nvGrpSpPr>
@@ -5789,7 +5811,7 @@
         </p:grpSpPr>
         <p:sp>
           <p:nvSpPr>
-            <p:cNvPr id="1048612" name="object 3"/>
+            <p:cNvPr id="1048663" name="object 3"/>
             <p:cNvSpPr/>
             <p:nvPr/>
           </p:nvSpPr>
@@ -5834,7 +5856,7 @@
         </p:sp>
         <p:sp>
           <p:nvSpPr>
-            <p:cNvPr id="1048613" name="object 4"/>
+            <p:cNvPr id="1048664" name="object 4"/>
             <p:cNvSpPr/>
             <p:nvPr/>
           </p:nvSpPr>
@@ -5879,7 +5901,7 @@
         </p:sp>
         <p:pic>
           <p:nvPicPr>
-            <p:cNvPr id="2097155" name="object 5"/>
+            <p:cNvPr id="2097161" name="object 5"/>
             <p:cNvPicPr>
               <a:picLocks/>
             </p:cNvPicPr>
@@ -5902,7 +5924,7 @@
       </p:grpSp>
       <p:sp>
         <p:nvSpPr>
-          <p:cNvPr id="1048614" name="object 6"/>
+          <p:cNvPr id="1048665" name="object 6"/>
           <p:cNvSpPr/>
           <p:nvPr/>
         </p:nvSpPr>
@@ -5949,7 +5971,7 @@
       </p:sp>
       <p:sp>
         <p:nvSpPr>
-          <p:cNvPr id="1048615" name="object 7"/>
+          <p:cNvPr id="1048666" name="object 7"/>
           <p:cNvSpPr txBox="1">
             <a:spLocks noGrp="1"/>
           </p:cNvSpPr>
@@ -6038,7 +6060,7 @@
       </p:sp>
       <p:pic>
         <p:nvPicPr>
-          <p:cNvPr id="2097156" name="object 8"/>
+          <p:cNvPr id="2097162" name="object 8"/>
           <p:cNvPicPr>
             <a:picLocks/>
           </p:cNvPicPr>
@@ -6060,7 +6082,7 @@
       </p:pic>
       <p:sp>
         <p:nvSpPr>
-          <p:cNvPr id="1048616" name="object 10"/>
+          <p:cNvPr id="1048667" name="object 10"/>
           <p:cNvSpPr txBox="1">
             <a:spLocks noGrp="1"/>
           </p:cNvSpPr>
@@ -6094,7 +6116,7 @@
       </p:sp>
       <p:sp>
         <p:nvSpPr>
-          <p:cNvPr id="1048617" name="Rectangle 8"/>
+          <p:cNvPr id="1048668" name="Rectangle 8"/>
           <p:cNvSpPr/>
           <p:nvPr/>
         </p:nvSpPr>
@@ -6148,7 +6170,7 @@
   <p:cSld>
     <p:spTree>
       <p:nvGrpSpPr>
-        <p:cNvPr id="28" name=""/>
+        <p:cNvPr id="37" name=""/>
         <p:cNvGrpSpPr/>
         <p:nvPr/>
       </p:nvGrpSpPr>
@@ -6162,7 +6184,7 @@
       </p:grpSpPr>
       <p:grpSp>
         <p:nvGrpSpPr>
-          <p:cNvPr id="29" name="object 2"/>
+          <p:cNvPr id="38" name="object 2"/>
           <p:cNvGrpSpPr/>
           <p:nvPr/>
         </p:nvGrpSpPr>
@@ -6176,7 +6198,7 @@
         </p:grpSpPr>
         <p:sp>
           <p:nvSpPr>
-            <p:cNvPr id="1048634" name="object 3"/>
+            <p:cNvPr id="1048669" name="object 3"/>
             <p:cNvSpPr/>
             <p:nvPr/>
           </p:nvSpPr>
@@ -6221,7 +6243,7 @@
         </p:sp>
         <p:sp>
           <p:nvSpPr>
-            <p:cNvPr id="1048635" name="object 4"/>
+            <p:cNvPr id="1048670" name="object 4"/>
             <p:cNvSpPr/>
             <p:nvPr/>
           </p:nvSpPr>
@@ -6266,7 +6288,7 @@
         </p:sp>
         <p:pic>
           <p:nvPicPr>
-            <p:cNvPr id="2097159" name="object 5"/>
+            <p:cNvPr id="2097163" name="object 5"/>
             <p:cNvPicPr>
               <a:picLocks/>
             </p:cNvPicPr>
@@ -6289,7 +6311,7 @@
       </p:grpSp>
       <p:sp>
         <p:nvSpPr>
-          <p:cNvPr id="1048636" name="object 6"/>
+          <p:cNvPr id="1048671" name="object 6"/>
           <p:cNvSpPr/>
           <p:nvPr/>
         </p:nvSpPr>
@@ -6334,7 +6356,7 @@
       </p:sp>
       <p:sp>
         <p:nvSpPr>
-          <p:cNvPr id="1048637" name="object 7"/>
+          <p:cNvPr id="1048672" name="object 7"/>
           <p:cNvSpPr txBox="1">
             <a:spLocks noGrp="1"/>
           </p:cNvSpPr>
@@ -6379,7 +6401,7 @@
       </p:sp>
       <p:pic>
         <p:nvPicPr>
-          <p:cNvPr id="2097160" name="object 8"/>
+          <p:cNvPr id="2097164" name="object 8"/>
           <p:cNvPicPr>
             <a:picLocks/>
           </p:cNvPicPr>
@@ -6401,7 +6423,7 @@
       </p:pic>
       <p:sp>
         <p:nvSpPr>
-          <p:cNvPr id="1048638" name="object 10"/>
+          <p:cNvPr id="1048673" name="object 10"/>
           <p:cNvSpPr txBox="1">
             <a:spLocks noGrp="1"/>
           </p:cNvSpPr>
@@ -6435,7 +6457,7 @@
       </p:sp>
       <p:sp>
         <p:nvSpPr>
-          <p:cNvPr id="1048639" name="Rectangle 8"/>
+          <p:cNvPr id="1048674" name="Rectangle 8"/>
           <p:cNvSpPr/>
           <p:nvPr/>
         </p:nvSpPr>
@@ -6488,7 +6510,7 @@
   <p:cSld>
     <p:spTree>
       <p:nvGrpSpPr>
-        <p:cNvPr id="35" name=""/>
+        <p:cNvPr id="39" name=""/>
         <p:cNvGrpSpPr/>
         <p:nvPr/>
       </p:nvGrpSpPr>
@@ -6502,7 +6524,7 @@
       </p:grpSpPr>
       <p:sp>
         <p:nvSpPr>
-          <p:cNvPr id="1048655" name="object 2"/>
+          <p:cNvPr id="1048675" name="object 2"/>
           <p:cNvSpPr/>
           <p:nvPr/>
         </p:nvSpPr>
@@ -6547,7 +6569,7 @@
       </p:sp>
       <p:sp>
         <p:nvSpPr>
-          <p:cNvPr id="1048656" name="object 3"/>
+          <p:cNvPr id="1048676" name="object 3"/>
           <p:cNvSpPr/>
           <p:nvPr/>
         </p:nvSpPr>
@@ -6592,7 +6614,7 @@
       </p:sp>
       <p:sp>
         <p:nvSpPr>
-          <p:cNvPr id="1048657" name="object 4"/>
+          <p:cNvPr id="1048677" name="object 4"/>
           <p:cNvSpPr/>
           <p:nvPr/>
         </p:nvSpPr>
@@ -6637,7 +6659,7 @@
       </p:sp>
       <p:sp>
         <p:nvSpPr>
-          <p:cNvPr id="1048658" name="object 5"/>
+          <p:cNvPr id="1048678" name="object 5"/>
           <p:cNvSpPr txBox="1">
             <a:spLocks noGrp="1"/>
           </p:cNvSpPr>
@@ -6747,871 +6769,6 @@
             </a:r>
             <a:endParaRPr sz="3200"/>
           </a:p>
-        </p:txBody>
-      </p:sp>
-      <p:pic>
-        <p:nvPicPr>
-          <p:cNvPr id="2097162" name="object 6"/>
-          <p:cNvPicPr>
-            <a:picLocks/>
-          </p:cNvPicPr>
-          <p:nvPr/>
-        </p:nvPicPr>
-        <p:blipFill>
-          <a:blip xmlns:r="http://schemas.openxmlformats.org/officeDocument/2006/relationships" r:embed="rId1" cstate="print"/>
-          <a:stretch>
-            <a:fillRect/>
-          </a:stretch>
-        </p:blipFill>
-        <p:spPr>
-          <a:xfrm>
-            <a:off x="723900" y="6172200"/>
-            <a:ext cx="2181225" cy="485775"/>
-          </a:xfrm>
-          <a:prstGeom prst="rect"/>
-        </p:spPr>
-      </p:pic>
-      <p:sp>
-        <p:nvSpPr>
-          <p:cNvPr id="1048659" name="object 8"/>
-          <p:cNvSpPr txBox="1">
-            <a:spLocks noGrp="1"/>
-          </p:cNvSpPr>
-          <p:nvPr>
-            <p:ph type="sldNum" sz="quarter" idx="7"/>
-          </p:nvPr>
-        </p:nvSpPr>
-        <p:spPr>
-          <a:prstGeom prst="rect"/>
-        </p:spPr>
-        <p:txBody>
-          <a:bodyPr bIns="0" lIns="0" rIns="0" rtlCol="0" tIns="6985" vert="horz" wrap="square">
-            <a:spAutoFit/>
-          </a:bodyPr>
-          <a:p>
-            <a:pPr marL="38100">
-              <a:lnSpc>
-                <a:spcPct val="100000"/>
-              </a:lnSpc>
-              <a:spcBef>
-                <a:spcPts val="55"/>
-              </a:spcBef>
-            </a:pPr>
-            <a:fld id="{81D60167-4931-47E6-BA6A-407CBD079E47}" type="slidenum">
-              <a:rPr dirty="0" spc="10"/>
-              <a:t>6</a:t>
-            </a:fld>
-            <a:endParaRPr dirty="0" spc="10"/>
-          </a:p>
-        </p:txBody>
-      </p:sp>
-      <p:sp>
-        <p:nvSpPr>
-          <p:cNvPr id="1048660" name="Rectangle 6"/>
-          <p:cNvSpPr/>
-          <p:nvPr/>
-        </p:nvSpPr>
-        <p:spPr>
-          <a:xfrm>
-            <a:off x="3048000" y="1859340"/>
-            <a:ext cx="6096000" cy="3025140"/>
-          </a:xfrm>
-          <a:prstGeom prst="rect"/>
-        </p:spPr>
-        <p:txBody>
-          <a:bodyPr>
-            <a:spAutoFit/>
-          </a:bodyPr>
-          <a:p>
-            <a:r>
-              <a:rPr dirty="0" lang="en-US">
-                <a:latin typeface="Times New Roman" panose="02020603050405020304" pitchFamily="18" charset="0"/>
-                <a:cs typeface="Times New Roman" panose="02020603050405020304" pitchFamily="18" charset="0"/>
-              </a:rPr>
-              <a:t>The </a:t>
-            </a:r>
-            <a:r>
-              <a:rPr b="1" dirty="0" lang="en-US">
-                <a:latin typeface="Times New Roman" panose="02020603050405020304" pitchFamily="18" charset="0"/>
-                <a:cs typeface="Times New Roman" panose="02020603050405020304" pitchFamily="18" charset="0"/>
-              </a:rPr>
-              <a:t>end users of a digital portfolio</a:t>
-            </a:r>
-            <a:r>
-              <a:rPr dirty="0" lang="en-US">
-                <a:latin typeface="Times New Roman" panose="02020603050405020304" pitchFamily="18" charset="0"/>
-                <a:cs typeface="Times New Roman" panose="02020603050405020304" pitchFamily="18" charset="0"/>
-              </a:rPr>
-              <a:t> are mainly:</a:t>
-            </a:r>
-          </a:p>
-          <a:p>
-            <a:pPr>
-              <a:buFont typeface="+mj-lt"/>
-              <a:buAutoNum type="arabicPeriod"/>
-            </a:pPr>
-            <a:r>
-              <a:rPr b="1" dirty="0" lang="en-US">
-                <a:latin typeface="Times New Roman" panose="02020603050405020304" pitchFamily="18" charset="0"/>
-                <a:cs typeface="Times New Roman" panose="02020603050405020304" pitchFamily="18" charset="0"/>
-              </a:rPr>
-              <a:t>Students</a:t>
-            </a:r>
-            <a:r>
-              <a:rPr dirty="0" lang="en-US">
-                <a:latin typeface="Times New Roman" panose="02020603050405020304" pitchFamily="18" charset="0"/>
-                <a:cs typeface="Times New Roman" panose="02020603050405020304" pitchFamily="18" charset="0"/>
-              </a:rPr>
-              <a:t> – to showcase academic achievements, projects, and skills.</a:t>
-            </a:r>
-          </a:p>
-          <a:p>
-            <a:pPr>
-              <a:buFont typeface="+mj-lt"/>
-              <a:buAutoNum type="arabicPeriod"/>
-            </a:pPr>
-            <a:r>
-              <a:rPr b="1" dirty="0" lang="en-US">
-                <a:latin typeface="Times New Roman" panose="02020603050405020304" pitchFamily="18" charset="0"/>
-                <a:cs typeface="Times New Roman" panose="02020603050405020304" pitchFamily="18" charset="0"/>
-              </a:rPr>
-              <a:t>Job Seekers/Professionals</a:t>
-            </a:r>
-            <a:r>
-              <a:rPr dirty="0" lang="en-US">
-                <a:latin typeface="Times New Roman" panose="02020603050405020304" pitchFamily="18" charset="0"/>
-                <a:cs typeface="Times New Roman" panose="02020603050405020304" pitchFamily="18" charset="0"/>
-              </a:rPr>
-              <a:t> – to highlight experience, certifications, and career achievements.</a:t>
-            </a:r>
-          </a:p>
-          <a:p>
-            <a:pPr>
-              <a:buFont typeface="+mj-lt"/>
-              <a:buAutoNum type="arabicPeriod"/>
-            </a:pPr>
-            <a:r>
-              <a:rPr b="1" dirty="0" lang="en-US">
-                <a:latin typeface="Times New Roman" panose="02020603050405020304" pitchFamily="18" charset="0"/>
-                <a:cs typeface="Times New Roman" panose="02020603050405020304" pitchFamily="18" charset="0"/>
-              </a:rPr>
-              <a:t>Freelancers/Creators</a:t>
-            </a:r>
-            <a:r>
-              <a:rPr dirty="0" lang="en-US">
-                <a:latin typeface="Times New Roman" panose="02020603050405020304" pitchFamily="18" charset="0"/>
-                <a:cs typeface="Times New Roman" panose="02020603050405020304" pitchFamily="18" charset="0"/>
-              </a:rPr>
-              <a:t> – to present creative works, designs, or services to potential clients.</a:t>
-            </a:r>
-          </a:p>
-          <a:p>
-            <a:pPr>
-              <a:buFont typeface="+mj-lt"/>
-              <a:buAutoNum type="arabicPeriod"/>
-            </a:pPr>
-            <a:r>
-              <a:rPr b="1" dirty="0" lang="en-US">
-                <a:latin typeface="Times New Roman" panose="02020603050405020304" pitchFamily="18" charset="0"/>
-                <a:cs typeface="Times New Roman" panose="02020603050405020304" pitchFamily="18" charset="0"/>
-              </a:rPr>
-              <a:t>Educators/Researchers</a:t>
-            </a:r>
-            <a:r>
-              <a:rPr dirty="0" lang="en-US">
-                <a:latin typeface="Times New Roman" panose="02020603050405020304" pitchFamily="18" charset="0"/>
-                <a:cs typeface="Times New Roman" panose="02020603050405020304" pitchFamily="18" charset="0"/>
-              </a:rPr>
-              <a:t> – to display publications, teaching work, and research contributions.</a:t>
-            </a:r>
-          </a:p>
-          <a:p>
-            <a:pPr>
-              <a:buFont typeface="+mj-lt"/>
-              <a:buAutoNum type="arabicPeriod"/>
-            </a:pPr>
-            <a:r>
-              <a:rPr b="1" dirty="0" lang="en-US">
-                <a:latin typeface="Times New Roman" panose="02020603050405020304" pitchFamily="18" charset="0"/>
-                <a:cs typeface="Times New Roman" panose="02020603050405020304" pitchFamily="18" charset="0"/>
-              </a:rPr>
-              <a:t>Employers/Recruiters</a:t>
-            </a:r>
-            <a:r>
-              <a:rPr dirty="0" lang="en-US">
-                <a:latin typeface="Times New Roman" panose="02020603050405020304" pitchFamily="18" charset="0"/>
-                <a:cs typeface="Times New Roman" panose="02020603050405020304" pitchFamily="18" charset="0"/>
-              </a:rPr>
-              <a:t> – as viewers who assess candidates’ skills and suitability.</a:t>
-            </a:r>
-          </a:p>
-        </p:txBody>
-      </p:sp>
-    </p:spTree>
-  </p:cSld>
-  <p:clrMapOvr>
-    <a:masterClrMapping/>
-  </p:clrMapOvr>
-</p:sld>
-</file>
-
-<file path=ppt/slides/slide7.xml><?xml version="1.0" encoding="utf-8"?>
-<p:sld xmlns:a="http://schemas.openxmlformats.org/drawingml/2006/main" xmlns:r="http://schemas.openxmlformats.org/officeDocument/2006/relationships" xmlns:p="http://schemas.openxmlformats.org/presentationml/2006/main">
-  <p:cSld>
-    <p:spTree>
-      <p:nvGrpSpPr>
-        <p:cNvPr id="36" name=""/>
-        <p:cNvGrpSpPr/>
-        <p:nvPr/>
-      </p:nvGrpSpPr>
-      <p:grpSpPr>
-        <a:xfrm>
-          <a:off x="0" y="0"/>
-          <a:ext cx="0" cy="0"/>
-          <a:chOff x="0" y="0"/>
-          <a:chExt cx="0" cy="0"/>
-        </a:xfrm>
-      </p:grpSpPr>
-      <p:pic>
-        <p:nvPicPr>
-          <p:cNvPr id="2097163" name="object 2"/>
-          <p:cNvPicPr>
-            <a:picLocks/>
-          </p:cNvPicPr>
-          <p:nvPr/>
-        </p:nvPicPr>
-        <p:blipFill>
-          <a:blip xmlns:r="http://schemas.openxmlformats.org/officeDocument/2006/relationships" r:embed="rId1" cstate="print"/>
-          <a:stretch>
-            <a:fillRect/>
-          </a:stretch>
-        </p:blipFill>
-        <p:spPr>
-          <a:xfrm>
-            <a:off x="0" y="1476375"/>
-            <a:ext cx="2695574" cy="3248025"/>
-          </a:xfrm>
-          <a:prstGeom prst="rect"/>
-        </p:spPr>
-      </p:pic>
-      <p:sp>
-        <p:nvSpPr>
-          <p:cNvPr id="1048661" name="object 3"/>
-          <p:cNvSpPr/>
-          <p:nvPr/>
-        </p:nvSpPr>
-        <p:spPr>
-          <a:xfrm>
-            <a:off x="9353550" y="5362575"/>
-            <a:ext cx="457200" cy="457200"/>
-          </a:xfrm>
-          <a:custGeom>
-            <a:avLst/>
-            <a:ahLst/>
-            <a:rect l="l" t="t" r="r" b="b"/>
-            <a:pathLst>
-              <a:path w="457200" h="457200">
-                <a:moveTo>
-                  <a:pt x="457200" y="0"/>
-                </a:moveTo>
-                <a:lnTo>
-                  <a:pt x="0" y="0"/>
-                </a:lnTo>
-                <a:lnTo>
-                  <a:pt x="0" y="457200"/>
-                </a:lnTo>
-                <a:lnTo>
-                  <a:pt x="457200" y="457200"/>
-                </a:lnTo>
-                <a:lnTo>
-                  <a:pt x="457200" y="0"/>
-                </a:lnTo>
-                <a:close/>
-              </a:path>
-            </a:pathLst>
-          </a:custGeom>
-          <a:solidFill>
-            <a:srgbClr val="42AF51"/>
-          </a:solidFill>
-        </p:spPr>
-        <p:txBody>
-          <a:bodyPr bIns="0" lIns="0" rIns="0" rtlCol="0" tIns="0" wrap="square"/>
-          <a:p/>
-        </p:txBody>
-      </p:sp>
-      <p:sp>
-        <p:nvSpPr>
-          <p:cNvPr id="1048662" name="object 4"/>
-          <p:cNvSpPr/>
-          <p:nvPr/>
-        </p:nvSpPr>
-        <p:spPr>
-          <a:xfrm>
-            <a:off x="6696075" y="1695450"/>
-            <a:ext cx="314325" cy="323850"/>
-          </a:xfrm>
-          <a:custGeom>
-            <a:avLst/>
-            <a:ahLst/>
-            <a:rect l="l" t="t" r="r" b="b"/>
-            <a:pathLst>
-              <a:path w="314325" h="323850">
-                <a:moveTo>
-                  <a:pt x="314325" y="0"/>
-                </a:moveTo>
-                <a:lnTo>
-                  <a:pt x="0" y="0"/>
-                </a:lnTo>
-                <a:lnTo>
-                  <a:pt x="0" y="323850"/>
-                </a:lnTo>
-                <a:lnTo>
-                  <a:pt x="314325" y="323850"/>
-                </a:lnTo>
-                <a:lnTo>
-                  <a:pt x="314325" y="0"/>
-                </a:lnTo>
-                <a:close/>
-              </a:path>
-            </a:pathLst>
-          </a:custGeom>
-          <a:solidFill>
-            <a:srgbClr val="2D83C3"/>
-          </a:solidFill>
-        </p:spPr>
-        <p:txBody>
-          <a:bodyPr bIns="0" lIns="0" rIns="0" rtlCol="0" tIns="0" wrap="square"/>
-          <a:p/>
-        </p:txBody>
-      </p:sp>
-      <p:sp>
-        <p:nvSpPr>
-          <p:cNvPr id="1048663" name="object 5"/>
-          <p:cNvSpPr/>
-          <p:nvPr/>
-        </p:nvSpPr>
-        <p:spPr>
-          <a:xfrm>
-            <a:off x="9353550" y="5895975"/>
-            <a:ext cx="180975" cy="180975"/>
-          </a:xfrm>
-          <a:custGeom>
-            <a:avLst/>
-            <a:ahLst/>
-            <a:rect l="l" t="t" r="r" b="b"/>
-            <a:pathLst>
-              <a:path w="180975" h="180975">
-                <a:moveTo>
-                  <a:pt x="180975" y="0"/>
-                </a:moveTo>
-                <a:lnTo>
-                  <a:pt x="0" y="0"/>
-                </a:lnTo>
-                <a:lnTo>
-                  <a:pt x="0" y="180975"/>
-                </a:lnTo>
-                <a:lnTo>
-                  <a:pt x="180975" y="180975"/>
-                </a:lnTo>
-                <a:lnTo>
-                  <a:pt x="180975" y="0"/>
-                </a:lnTo>
-                <a:close/>
-              </a:path>
-            </a:pathLst>
-          </a:custGeom>
-          <a:solidFill>
-            <a:srgbClr val="2D936B"/>
-          </a:solidFill>
-        </p:spPr>
-        <p:txBody>
-          <a:bodyPr bIns="0" lIns="0" rIns="0" rtlCol="0" tIns="0" wrap="square"/>
-          <a:p/>
-        </p:txBody>
-      </p:sp>
-      <p:sp>
-        <p:nvSpPr>
-          <p:cNvPr id="1048664" name="object 6"/>
-          <p:cNvSpPr txBox="1">
-            <a:spLocks noGrp="1"/>
-          </p:cNvSpPr>
-          <p:nvPr>
-            <p:ph type="title"/>
-          </p:nvPr>
-        </p:nvSpPr>
-        <p:spPr>
-          <a:xfrm>
-            <a:off x="558165" y="857885"/>
-            <a:ext cx="9763125" cy="546736"/>
-          </a:xfrm>
-          <a:prstGeom prst="rect"/>
-        </p:spPr>
-        <p:txBody>
-          <a:bodyPr bIns="0" lIns="0" rIns="0" rtlCol="0" tIns="13335" vert="horz" wrap="square">
-            <a:spAutoFit/>
-          </a:bodyPr>
-          <a:p>
-            <a:pPr marL="12700">
-              <a:lnSpc>
-                <a:spcPct val="100000"/>
-              </a:lnSpc>
-              <a:spcBef>
-                <a:spcPts val="105"/>
-              </a:spcBef>
-            </a:pPr>
-            <a:r>
-              <a:rPr dirty="0" sz="3600" lang="en-IN" spc="10"/>
-              <a:t>TOOLS AND TECHNIQUES</a:t>
-            </a:r>
-            <a:endParaRPr dirty="0" sz="3600"/>
-          </a:p>
-        </p:txBody>
-      </p:sp>
-      <p:pic>
-        <p:nvPicPr>
-          <p:cNvPr id="2097164" name="object 7"/>
-          <p:cNvPicPr>
-            <a:picLocks/>
-          </p:cNvPicPr>
-          <p:nvPr/>
-        </p:nvPicPr>
-        <p:blipFill>
-          <a:blip xmlns:r="http://schemas.openxmlformats.org/officeDocument/2006/relationships" r:embed="rId2" cstate="print"/>
-          <a:stretch>
-            <a:fillRect/>
-          </a:stretch>
-        </p:blipFill>
-        <p:spPr>
-          <a:xfrm>
-            <a:off x="676275" y="6467475"/>
-            <a:ext cx="2143125" cy="200025"/>
-          </a:xfrm>
-          <a:prstGeom prst="rect"/>
-        </p:spPr>
-      </p:pic>
-      <p:sp>
-        <p:nvSpPr>
-          <p:cNvPr id="1048665" name="object 9"/>
-          <p:cNvSpPr txBox="1">
-            <a:spLocks noGrp="1"/>
-          </p:cNvSpPr>
-          <p:nvPr>
-            <p:ph type="sldNum" sz="quarter" idx="7"/>
-          </p:nvPr>
-        </p:nvSpPr>
-        <p:spPr>
-          <a:prstGeom prst="rect"/>
-        </p:spPr>
-        <p:txBody>
-          <a:bodyPr bIns="0" lIns="0" rIns="0" rtlCol="0" tIns="6985" vert="horz" wrap="square">
-            <a:spAutoFit/>
-          </a:bodyPr>
-          <a:p>
-            <a:pPr marL="38100">
-              <a:lnSpc>
-                <a:spcPct val="100000"/>
-              </a:lnSpc>
-              <a:spcBef>
-                <a:spcPts val="55"/>
-              </a:spcBef>
-            </a:pPr>
-            <a:fld id="{81D60167-4931-47E6-BA6A-407CBD079E47}" type="slidenum">
-              <a:rPr dirty="0" spc="10"/>
-              <a:t>7</a:t>
-            </a:fld>
-            <a:endParaRPr dirty="0" spc="10"/>
-          </a:p>
-        </p:txBody>
-      </p:sp>
-      <p:sp>
-        <p:nvSpPr>
-          <p:cNvPr id="1048666" name="Rectangle 7"/>
-          <p:cNvSpPr/>
-          <p:nvPr/>
-        </p:nvSpPr>
-        <p:spPr>
-          <a:xfrm>
-            <a:off x="3048000" y="1813173"/>
-            <a:ext cx="6096000" cy="3291840"/>
-          </a:xfrm>
-          <a:prstGeom prst="rect"/>
-        </p:spPr>
-        <p:txBody>
-          <a:bodyPr>
-            <a:spAutoFit/>
-          </a:bodyPr>
-          <a:p>
-            <a:r>
-              <a:rPr b="1" dirty="0" sz="1200" lang="en-US">
-                <a:latin typeface="Times New Roman" panose="02020603050405020304" pitchFamily="18" charset="0"/>
-                <a:cs typeface="Times New Roman" panose="02020603050405020304" pitchFamily="18" charset="0"/>
-              </a:rPr>
-              <a:t>Tools</a:t>
-            </a:r>
-          </a:p>
-          <a:p>
-            <a:pPr>
-              <a:buFont typeface="+mj-lt"/>
-              <a:buAutoNum type="arabicPeriod"/>
-            </a:pPr>
-            <a:r>
-              <a:rPr b="1" dirty="0" sz="1200" lang="en-US">
-                <a:latin typeface="Times New Roman" panose="02020603050405020304" pitchFamily="18" charset="0"/>
-                <a:cs typeface="Times New Roman" panose="02020603050405020304" pitchFamily="18" charset="0"/>
-              </a:rPr>
-              <a:t>Web Development Tools</a:t>
-            </a:r>
-            <a:r>
-              <a:rPr dirty="0" sz="1200" lang="en-US">
-                <a:latin typeface="Times New Roman" panose="02020603050405020304" pitchFamily="18" charset="0"/>
-                <a:cs typeface="Times New Roman" panose="02020603050405020304" pitchFamily="18" charset="0"/>
-              </a:rPr>
-              <a:t> – HTML, CSS, JavaScript for creating and styling the portfolio.</a:t>
-            </a:r>
-          </a:p>
-          <a:p>
-            <a:pPr>
-              <a:buFont typeface="+mj-lt"/>
-              <a:buAutoNum type="arabicPeriod"/>
-            </a:pPr>
-            <a:r>
-              <a:rPr b="1" dirty="0" sz="1200" lang="en-US">
-                <a:latin typeface="Times New Roman" panose="02020603050405020304" pitchFamily="18" charset="0"/>
-                <a:cs typeface="Times New Roman" panose="02020603050405020304" pitchFamily="18" charset="0"/>
-              </a:rPr>
-              <a:t>Content Management Systems (CMS)</a:t>
-            </a:r>
-            <a:r>
-              <a:rPr dirty="0" sz="1200" lang="en-US">
-                <a:latin typeface="Times New Roman" panose="02020603050405020304" pitchFamily="18" charset="0"/>
-                <a:cs typeface="Times New Roman" panose="02020603050405020304" pitchFamily="18" charset="0"/>
-              </a:rPr>
-              <a:t> – </a:t>
-            </a:r>
-            <a:r>
-              <a:rPr dirty="0" sz="1200" lang="en-US" err="1">
-                <a:latin typeface="Times New Roman" panose="02020603050405020304" pitchFamily="18" charset="0"/>
-                <a:cs typeface="Times New Roman" panose="02020603050405020304" pitchFamily="18" charset="0"/>
-              </a:rPr>
-              <a:t>WordPress</a:t>
-            </a:r>
-            <a:r>
-              <a:rPr dirty="0" sz="1200" lang="en-US">
-                <a:latin typeface="Times New Roman" panose="02020603050405020304" pitchFamily="18" charset="0"/>
-                <a:cs typeface="Times New Roman" panose="02020603050405020304" pitchFamily="18" charset="0"/>
-              </a:rPr>
-              <a:t>, </a:t>
-            </a:r>
-            <a:r>
-              <a:rPr dirty="0" sz="1200" lang="en-US" err="1">
-                <a:latin typeface="Times New Roman" panose="02020603050405020304" pitchFamily="18" charset="0"/>
-                <a:cs typeface="Times New Roman" panose="02020603050405020304" pitchFamily="18" charset="0"/>
-              </a:rPr>
-              <a:t>Wix</a:t>
-            </a:r>
-            <a:r>
-              <a:rPr dirty="0" sz="1200" lang="en-US">
-                <a:latin typeface="Times New Roman" panose="02020603050405020304" pitchFamily="18" charset="0"/>
-                <a:cs typeface="Times New Roman" panose="02020603050405020304" pitchFamily="18" charset="0"/>
-              </a:rPr>
-              <a:t>, or Google Sites for easy portfolio creation.</a:t>
-            </a:r>
-          </a:p>
-          <a:p>
-            <a:pPr>
-              <a:buFont typeface="+mj-lt"/>
-              <a:buAutoNum type="arabicPeriod"/>
-            </a:pPr>
-            <a:r>
-              <a:rPr b="1" dirty="0" sz="1200" lang="en-US">
-                <a:latin typeface="Times New Roman" panose="02020603050405020304" pitchFamily="18" charset="0"/>
-                <a:cs typeface="Times New Roman" panose="02020603050405020304" pitchFamily="18" charset="0"/>
-              </a:rPr>
-              <a:t>Design Tools</a:t>
-            </a:r>
-            <a:r>
-              <a:rPr dirty="0" sz="1200" lang="en-US">
-                <a:latin typeface="Times New Roman" panose="02020603050405020304" pitchFamily="18" charset="0"/>
-                <a:cs typeface="Times New Roman" panose="02020603050405020304" pitchFamily="18" charset="0"/>
-              </a:rPr>
-              <a:t> – </a:t>
-            </a:r>
-            <a:r>
-              <a:rPr dirty="0" sz="1200" lang="en-US" err="1">
-                <a:latin typeface="Times New Roman" panose="02020603050405020304" pitchFamily="18" charset="0"/>
-                <a:cs typeface="Times New Roman" panose="02020603050405020304" pitchFamily="18" charset="0"/>
-              </a:rPr>
-              <a:t>Canva</a:t>
-            </a:r>
-            <a:r>
-              <a:rPr dirty="0" sz="1200" lang="en-US">
-                <a:latin typeface="Times New Roman" panose="02020603050405020304" pitchFamily="18" charset="0"/>
-                <a:cs typeface="Times New Roman" panose="02020603050405020304" pitchFamily="18" charset="0"/>
-              </a:rPr>
-              <a:t>, </a:t>
-            </a:r>
-            <a:r>
-              <a:rPr dirty="0" sz="1200" lang="en-US" err="1">
-                <a:latin typeface="Times New Roman" panose="02020603050405020304" pitchFamily="18" charset="0"/>
-                <a:cs typeface="Times New Roman" panose="02020603050405020304" pitchFamily="18" charset="0"/>
-              </a:rPr>
-              <a:t>Figma</a:t>
-            </a:r>
-            <a:r>
-              <a:rPr dirty="0" sz="1200" lang="en-US">
-                <a:latin typeface="Times New Roman" panose="02020603050405020304" pitchFamily="18" charset="0"/>
-                <a:cs typeface="Times New Roman" panose="02020603050405020304" pitchFamily="18" charset="0"/>
-              </a:rPr>
-              <a:t>, Adobe XD, Photoshop for graphics and layout.</a:t>
-            </a:r>
-          </a:p>
-          <a:p>
-            <a:pPr>
-              <a:buFont typeface="+mj-lt"/>
-              <a:buAutoNum type="arabicPeriod"/>
-            </a:pPr>
-            <a:r>
-              <a:rPr b="1" dirty="0" sz="1200" lang="en-US">
-                <a:latin typeface="Times New Roman" panose="02020603050405020304" pitchFamily="18" charset="0"/>
-                <a:cs typeface="Times New Roman" panose="02020603050405020304" pitchFamily="18" charset="0"/>
-              </a:rPr>
-              <a:t>Code Editors</a:t>
-            </a:r>
-            <a:r>
-              <a:rPr dirty="0" sz="1200" lang="en-US">
-                <a:latin typeface="Times New Roman" panose="02020603050405020304" pitchFamily="18" charset="0"/>
-                <a:cs typeface="Times New Roman" panose="02020603050405020304" pitchFamily="18" charset="0"/>
-              </a:rPr>
-              <a:t> – Visual Studio Code, Sublime Text for coding and customization.</a:t>
-            </a:r>
-          </a:p>
-          <a:p>
-            <a:pPr>
-              <a:buFont typeface="+mj-lt"/>
-              <a:buAutoNum type="arabicPeriod"/>
-            </a:pPr>
-            <a:r>
-              <a:rPr b="1" dirty="0" sz="1200" lang="en-US">
-                <a:latin typeface="Times New Roman" panose="02020603050405020304" pitchFamily="18" charset="0"/>
-                <a:cs typeface="Times New Roman" panose="02020603050405020304" pitchFamily="18" charset="0"/>
-              </a:rPr>
-              <a:t>Hosting Platforms</a:t>
-            </a:r>
-            <a:r>
-              <a:rPr dirty="0" sz="1200" lang="en-US">
-                <a:latin typeface="Times New Roman" panose="02020603050405020304" pitchFamily="18" charset="0"/>
-                <a:cs typeface="Times New Roman" panose="02020603050405020304" pitchFamily="18" charset="0"/>
-              </a:rPr>
-              <a:t> – </a:t>
-            </a:r>
-            <a:r>
-              <a:rPr dirty="0" sz="1200" lang="en-US" err="1">
-                <a:latin typeface="Times New Roman" panose="02020603050405020304" pitchFamily="18" charset="0"/>
-                <a:cs typeface="Times New Roman" panose="02020603050405020304" pitchFamily="18" charset="0"/>
-              </a:rPr>
-              <a:t>GitHub</a:t>
-            </a:r>
-            <a:r>
-              <a:rPr dirty="0" sz="1200" lang="en-US">
-                <a:latin typeface="Times New Roman" panose="02020603050405020304" pitchFamily="18" charset="0"/>
-                <a:cs typeface="Times New Roman" panose="02020603050405020304" pitchFamily="18" charset="0"/>
-              </a:rPr>
-              <a:t> Pages, </a:t>
-            </a:r>
-            <a:r>
-              <a:rPr dirty="0" sz="1200" lang="en-US" err="1">
-                <a:latin typeface="Times New Roman" panose="02020603050405020304" pitchFamily="18" charset="0"/>
-                <a:cs typeface="Times New Roman" panose="02020603050405020304" pitchFamily="18" charset="0"/>
-              </a:rPr>
-              <a:t>Netlify</a:t>
-            </a:r>
-            <a:r>
-              <a:rPr dirty="0" sz="1200" lang="en-US">
-                <a:latin typeface="Times New Roman" panose="02020603050405020304" pitchFamily="18" charset="0"/>
-                <a:cs typeface="Times New Roman" panose="02020603050405020304" pitchFamily="18" charset="0"/>
-              </a:rPr>
-              <a:t>, or personal domain hosting to publish the portfolio.</a:t>
-            </a:r>
-          </a:p>
-          <a:p>
-            <a:r>
-              <a:rPr b="1" dirty="0" sz="1200" lang="en-US">
-                <a:latin typeface="Times New Roman" panose="02020603050405020304" pitchFamily="18" charset="0"/>
-                <a:cs typeface="Times New Roman" panose="02020603050405020304" pitchFamily="18" charset="0"/>
-              </a:rPr>
-              <a:t>Techniques</a:t>
-            </a:r>
-          </a:p>
-          <a:p>
-            <a:pPr>
-              <a:buFont typeface="+mj-lt"/>
-              <a:buAutoNum type="arabicPeriod"/>
-            </a:pPr>
-            <a:r>
-              <a:rPr b="1" dirty="0" sz="1200" lang="en-US">
-                <a:latin typeface="Times New Roman" panose="02020603050405020304" pitchFamily="18" charset="0"/>
-                <a:cs typeface="Times New Roman" panose="02020603050405020304" pitchFamily="18" charset="0"/>
-              </a:rPr>
-              <a:t>Responsive Web Design</a:t>
-            </a:r>
-            <a:r>
-              <a:rPr dirty="0" sz="1200" lang="en-US">
-                <a:latin typeface="Times New Roman" panose="02020603050405020304" pitchFamily="18" charset="0"/>
-                <a:cs typeface="Times New Roman" panose="02020603050405020304" pitchFamily="18" charset="0"/>
-              </a:rPr>
-              <a:t> – ensuring the portfolio works on all devices (desktop, tablet, mobile).</a:t>
-            </a:r>
-          </a:p>
-          <a:p>
-            <a:pPr>
-              <a:buFont typeface="+mj-lt"/>
-              <a:buAutoNum type="arabicPeriod"/>
-            </a:pPr>
-            <a:r>
-              <a:rPr b="1" dirty="0" sz="1200" lang="en-US">
-                <a:latin typeface="Times New Roman" panose="02020603050405020304" pitchFamily="18" charset="0"/>
-                <a:cs typeface="Times New Roman" panose="02020603050405020304" pitchFamily="18" charset="0"/>
-              </a:rPr>
-              <a:t>UI/UX Design Principles</a:t>
-            </a:r>
-            <a:r>
-              <a:rPr dirty="0" sz="1200" lang="en-US">
-                <a:latin typeface="Times New Roman" panose="02020603050405020304" pitchFamily="18" charset="0"/>
-                <a:cs typeface="Times New Roman" panose="02020603050405020304" pitchFamily="18" charset="0"/>
-              </a:rPr>
-              <a:t> – making the portfolio attractive and user-friendly.</a:t>
-            </a:r>
-          </a:p>
-          <a:p>
-            <a:pPr>
-              <a:buFont typeface="+mj-lt"/>
-              <a:buAutoNum type="arabicPeriod"/>
-            </a:pPr>
-            <a:r>
-              <a:rPr b="1" dirty="0" sz="1200" lang="en-US">
-                <a:latin typeface="Times New Roman" panose="02020603050405020304" pitchFamily="18" charset="0"/>
-                <a:cs typeface="Times New Roman" panose="02020603050405020304" pitchFamily="18" charset="0"/>
-              </a:rPr>
-              <a:t>Multimedia Integration</a:t>
-            </a:r>
-            <a:r>
-              <a:rPr dirty="0" sz="1200" lang="en-US">
-                <a:latin typeface="Times New Roman" panose="02020603050405020304" pitchFamily="18" charset="0"/>
-                <a:cs typeface="Times New Roman" panose="02020603050405020304" pitchFamily="18" charset="0"/>
-              </a:rPr>
-              <a:t> – adding images, videos, project demos, and links.</a:t>
-            </a:r>
-          </a:p>
-          <a:p>
-            <a:pPr>
-              <a:buFont typeface="+mj-lt"/>
-              <a:buAutoNum type="arabicPeriod"/>
-            </a:pPr>
-            <a:r>
-              <a:rPr b="1" dirty="0" sz="1200" lang="en-US">
-                <a:latin typeface="Times New Roman" panose="02020603050405020304" pitchFamily="18" charset="0"/>
-                <a:cs typeface="Times New Roman" panose="02020603050405020304" pitchFamily="18" charset="0"/>
-              </a:rPr>
-              <a:t>Interactive Elements</a:t>
-            </a:r>
-            <a:r>
-              <a:rPr dirty="0" sz="1200" lang="en-US">
-                <a:latin typeface="Times New Roman" panose="02020603050405020304" pitchFamily="18" charset="0"/>
-                <a:cs typeface="Times New Roman" panose="02020603050405020304" pitchFamily="18" charset="0"/>
-              </a:rPr>
-              <a:t> – using animations, hover effects, or navigation menus for better engagement.</a:t>
-            </a:r>
-          </a:p>
-          <a:p>
-            <a:pPr>
-              <a:buFont typeface="+mj-lt"/>
-              <a:buAutoNum type="arabicPeriod"/>
-            </a:pPr>
-            <a:r>
-              <a:rPr b="1" dirty="0" sz="1200" lang="en-US">
-                <a:latin typeface="Times New Roman" panose="02020603050405020304" pitchFamily="18" charset="0"/>
-                <a:cs typeface="Times New Roman" panose="02020603050405020304" pitchFamily="18" charset="0"/>
-              </a:rPr>
-              <a:t>Search Engine Optimization (SEO)</a:t>
-            </a:r>
-            <a:r>
-              <a:rPr dirty="0" sz="1200" lang="en-US">
-                <a:latin typeface="Times New Roman" panose="02020603050405020304" pitchFamily="18" charset="0"/>
-                <a:cs typeface="Times New Roman" panose="02020603050405020304" pitchFamily="18" charset="0"/>
-              </a:rPr>
-              <a:t> – improving visibility so that the portfolio can be easily found online.</a:t>
-            </a:r>
-          </a:p>
-        </p:txBody>
-      </p:sp>
-    </p:spTree>
-  </p:cSld>
-  <p:clrMapOvr>
-    <a:masterClrMapping/>
-  </p:clrMapOvr>
-</p:sld>
-</file>
-
-<file path=ppt/slides/slide8.xml><?xml version="1.0" encoding="utf-8"?>
-<p:sld xmlns:a="http://schemas.openxmlformats.org/drawingml/2006/main" xmlns:r="http://schemas.openxmlformats.org/officeDocument/2006/relationships" xmlns:p="http://schemas.openxmlformats.org/presentationml/2006/main">
-  <p:cSld>
-    <p:spTree>
-      <p:nvGrpSpPr>
-        <p:cNvPr id="37" name=""/>
-        <p:cNvGrpSpPr/>
-        <p:nvPr/>
-      </p:nvGrpSpPr>
-      <p:grpSpPr>
-        <a:xfrm>
-          <a:off x="0" y="0"/>
-          <a:ext cx="0" cy="0"/>
-          <a:chOff x="0" y="0"/>
-          <a:chExt cx="0" cy="0"/>
-        </a:xfrm>
-      </p:grpSpPr>
-      <p:sp>
-        <p:nvSpPr>
-          <p:cNvPr id="1048667" name="object 5"/>
-          <p:cNvSpPr/>
-          <p:nvPr/>
-        </p:nvSpPr>
-        <p:spPr>
-          <a:xfrm>
-            <a:off x="9353550" y="5895975"/>
-            <a:ext cx="180975" cy="180975"/>
-          </a:xfrm>
-          <a:custGeom>
-            <a:avLst/>
-            <a:ahLst/>
-            <a:rect l="l" t="t" r="r" b="b"/>
-            <a:pathLst>
-              <a:path w="180975" h="180975">
-                <a:moveTo>
-                  <a:pt x="180975" y="0"/>
-                </a:moveTo>
-                <a:lnTo>
-                  <a:pt x="0" y="0"/>
-                </a:lnTo>
-                <a:lnTo>
-                  <a:pt x="0" y="180975"/>
-                </a:lnTo>
-                <a:lnTo>
-                  <a:pt x="180975" y="180975"/>
-                </a:lnTo>
-                <a:lnTo>
-                  <a:pt x="180975" y="0"/>
-                </a:lnTo>
-                <a:close/>
-              </a:path>
-            </a:pathLst>
-          </a:custGeom>
-          <a:solidFill>
-            <a:srgbClr val="2D936B"/>
-          </a:solidFill>
-        </p:spPr>
-        <p:txBody>
-          <a:bodyPr bIns="0" lIns="0" rIns="0" rtlCol="0" tIns="0" wrap="square"/>
-          <a:p/>
         </p:txBody>
       </p:sp>
       <p:pic>
@@ -7630,6 +6787,871 @@
         </p:blipFill>
         <p:spPr>
           <a:xfrm>
+            <a:off x="723900" y="6172200"/>
+            <a:ext cx="2181225" cy="485775"/>
+          </a:xfrm>
+          <a:prstGeom prst="rect"/>
+        </p:spPr>
+      </p:pic>
+      <p:sp>
+        <p:nvSpPr>
+          <p:cNvPr id="1048679" name="object 8"/>
+          <p:cNvSpPr txBox="1">
+            <a:spLocks noGrp="1"/>
+          </p:cNvSpPr>
+          <p:nvPr>
+            <p:ph type="sldNum" sz="quarter" idx="7"/>
+          </p:nvPr>
+        </p:nvSpPr>
+        <p:spPr>
+          <a:prstGeom prst="rect"/>
+        </p:spPr>
+        <p:txBody>
+          <a:bodyPr bIns="0" lIns="0" rIns="0" rtlCol="0" tIns="6985" vert="horz" wrap="square">
+            <a:spAutoFit/>
+          </a:bodyPr>
+          <a:p>
+            <a:pPr marL="38100">
+              <a:lnSpc>
+                <a:spcPct val="100000"/>
+              </a:lnSpc>
+              <a:spcBef>
+                <a:spcPts val="55"/>
+              </a:spcBef>
+            </a:pPr>
+            <a:fld id="{81D60167-4931-47E6-BA6A-407CBD079E47}" type="slidenum">
+              <a:rPr dirty="0" spc="10"/>
+              <a:t>6</a:t>
+            </a:fld>
+            <a:endParaRPr dirty="0" spc="10"/>
+          </a:p>
+        </p:txBody>
+      </p:sp>
+      <p:sp>
+        <p:nvSpPr>
+          <p:cNvPr id="1048680" name="Rectangle 6"/>
+          <p:cNvSpPr/>
+          <p:nvPr/>
+        </p:nvSpPr>
+        <p:spPr>
+          <a:xfrm>
+            <a:off x="3048000" y="1859340"/>
+            <a:ext cx="6096000" cy="3025140"/>
+          </a:xfrm>
+          <a:prstGeom prst="rect"/>
+        </p:spPr>
+        <p:txBody>
+          <a:bodyPr>
+            <a:spAutoFit/>
+          </a:bodyPr>
+          <a:p>
+            <a:r>
+              <a:rPr dirty="0" lang="en-US">
+                <a:latin typeface="Times New Roman" panose="02020603050405020304" pitchFamily="18" charset="0"/>
+                <a:cs typeface="Times New Roman" panose="02020603050405020304" pitchFamily="18" charset="0"/>
+              </a:rPr>
+              <a:t>The </a:t>
+            </a:r>
+            <a:r>
+              <a:rPr b="1" dirty="0" lang="en-US">
+                <a:latin typeface="Times New Roman" panose="02020603050405020304" pitchFamily="18" charset="0"/>
+                <a:cs typeface="Times New Roman" panose="02020603050405020304" pitchFamily="18" charset="0"/>
+              </a:rPr>
+              <a:t>end users of a digital portfolio</a:t>
+            </a:r>
+            <a:r>
+              <a:rPr dirty="0" lang="en-US">
+                <a:latin typeface="Times New Roman" panose="02020603050405020304" pitchFamily="18" charset="0"/>
+                <a:cs typeface="Times New Roman" panose="02020603050405020304" pitchFamily="18" charset="0"/>
+              </a:rPr>
+              <a:t> are mainly:</a:t>
+            </a:r>
+          </a:p>
+          <a:p>
+            <a:pPr>
+              <a:buFont typeface="+mj-lt"/>
+              <a:buAutoNum type="arabicPeriod"/>
+            </a:pPr>
+            <a:r>
+              <a:rPr b="1" dirty="0" lang="en-US">
+                <a:latin typeface="Times New Roman" panose="02020603050405020304" pitchFamily="18" charset="0"/>
+                <a:cs typeface="Times New Roman" panose="02020603050405020304" pitchFamily="18" charset="0"/>
+              </a:rPr>
+              <a:t>Students</a:t>
+            </a:r>
+            <a:r>
+              <a:rPr dirty="0" lang="en-US">
+                <a:latin typeface="Times New Roman" panose="02020603050405020304" pitchFamily="18" charset="0"/>
+                <a:cs typeface="Times New Roman" panose="02020603050405020304" pitchFamily="18" charset="0"/>
+              </a:rPr>
+              <a:t> – to showcase academic achievements, projects, and skills.</a:t>
+            </a:r>
+          </a:p>
+          <a:p>
+            <a:pPr>
+              <a:buFont typeface="+mj-lt"/>
+              <a:buAutoNum type="arabicPeriod"/>
+            </a:pPr>
+            <a:r>
+              <a:rPr b="1" dirty="0" lang="en-US">
+                <a:latin typeface="Times New Roman" panose="02020603050405020304" pitchFamily="18" charset="0"/>
+                <a:cs typeface="Times New Roman" panose="02020603050405020304" pitchFamily="18" charset="0"/>
+              </a:rPr>
+              <a:t>Job Seekers/Professionals</a:t>
+            </a:r>
+            <a:r>
+              <a:rPr dirty="0" lang="en-US">
+                <a:latin typeface="Times New Roman" panose="02020603050405020304" pitchFamily="18" charset="0"/>
+                <a:cs typeface="Times New Roman" panose="02020603050405020304" pitchFamily="18" charset="0"/>
+              </a:rPr>
+              <a:t> – to highlight experience, certifications, and career achievements.</a:t>
+            </a:r>
+          </a:p>
+          <a:p>
+            <a:pPr>
+              <a:buFont typeface="+mj-lt"/>
+              <a:buAutoNum type="arabicPeriod"/>
+            </a:pPr>
+            <a:r>
+              <a:rPr b="1" dirty="0" lang="en-US">
+                <a:latin typeface="Times New Roman" panose="02020603050405020304" pitchFamily="18" charset="0"/>
+                <a:cs typeface="Times New Roman" panose="02020603050405020304" pitchFamily="18" charset="0"/>
+              </a:rPr>
+              <a:t>Freelancers/Creators</a:t>
+            </a:r>
+            <a:r>
+              <a:rPr dirty="0" lang="en-US">
+                <a:latin typeface="Times New Roman" panose="02020603050405020304" pitchFamily="18" charset="0"/>
+                <a:cs typeface="Times New Roman" panose="02020603050405020304" pitchFamily="18" charset="0"/>
+              </a:rPr>
+              <a:t> – to present creative works, designs, or services to potential clients.</a:t>
+            </a:r>
+          </a:p>
+          <a:p>
+            <a:pPr>
+              <a:buFont typeface="+mj-lt"/>
+              <a:buAutoNum type="arabicPeriod"/>
+            </a:pPr>
+            <a:r>
+              <a:rPr b="1" dirty="0" lang="en-US">
+                <a:latin typeface="Times New Roman" panose="02020603050405020304" pitchFamily="18" charset="0"/>
+                <a:cs typeface="Times New Roman" panose="02020603050405020304" pitchFamily="18" charset="0"/>
+              </a:rPr>
+              <a:t>Educators/Researchers</a:t>
+            </a:r>
+            <a:r>
+              <a:rPr dirty="0" lang="en-US">
+                <a:latin typeface="Times New Roman" panose="02020603050405020304" pitchFamily="18" charset="0"/>
+                <a:cs typeface="Times New Roman" panose="02020603050405020304" pitchFamily="18" charset="0"/>
+              </a:rPr>
+              <a:t> – to display publications, teaching work, and research contributions.</a:t>
+            </a:r>
+          </a:p>
+          <a:p>
+            <a:pPr>
+              <a:buFont typeface="+mj-lt"/>
+              <a:buAutoNum type="arabicPeriod"/>
+            </a:pPr>
+            <a:r>
+              <a:rPr b="1" dirty="0" lang="en-US">
+                <a:latin typeface="Times New Roman" panose="02020603050405020304" pitchFamily="18" charset="0"/>
+                <a:cs typeface="Times New Roman" panose="02020603050405020304" pitchFamily="18" charset="0"/>
+              </a:rPr>
+              <a:t>Employers/Recruiters</a:t>
+            </a:r>
+            <a:r>
+              <a:rPr dirty="0" lang="en-US">
+                <a:latin typeface="Times New Roman" panose="02020603050405020304" pitchFamily="18" charset="0"/>
+                <a:cs typeface="Times New Roman" panose="02020603050405020304" pitchFamily="18" charset="0"/>
+              </a:rPr>
+              <a:t> – as viewers who assess candidates’ skills and suitability.</a:t>
+            </a:r>
+          </a:p>
+        </p:txBody>
+      </p:sp>
+    </p:spTree>
+  </p:cSld>
+  <p:clrMapOvr>
+    <a:masterClrMapping/>
+  </p:clrMapOvr>
+</p:sld>
+</file>
+
+<file path=ppt/slides/slide7.xml><?xml version="1.0" encoding="utf-8"?>
+<p:sld xmlns:a="http://schemas.openxmlformats.org/drawingml/2006/main" xmlns:r="http://schemas.openxmlformats.org/officeDocument/2006/relationships" xmlns:p="http://schemas.openxmlformats.org/presentationml/2006/main">
+  <p:cSld>
+    <p:spTree>
+      <p:nvGrpSpPr>
+        <p:cNvPr id="40" name=""/>
+        <p:cNvGrpSpPr/>
+        <p:nvPr/>
+      </p:nvGrpSpPr>
+      <p:grpSpPr>
+        <a:xfrm>
+          <a:off x="0" y="0"/>
+          <a:ext cx="0" cy="0"/>
+          <a:chOff x="0" y="0"/>
+          <a:chExt cx="0" cy="0"/>
+        </a:xfrm>
+      </p:grpSpPr>
+      <p:pic>
+        <p:nvPicPr>
+          <p:cNvPr id="2097166" name="object 2"/>
+          <p:cNvPicPr>
+            <a:picLocks/>
+          </p:cNvPicPr>
+          <p:nvPr/>
+        </p:nvPicPr>
+        <p:blipFill>
+          <a:blip xmlns:r="http://schemas.openxmlformats.org/officeDocument/2006/relationships" r:embed="rId1" cstate="print"/>
+          <a:stretch>
+            <a:fillRect/>
+          </a:stretch>
+        </p:blipFill>
+        <p:spPr>
+          <a:xfrm>
+            <a:off x="0" y="1476375"/>
+            <a:ext cx="2695574" cy="3248025"/>
+          </a:xfrm>
+          <a:prstGeom prst="rect"/>
+        </p:spPr>
+      </p:pic>
+      <p:sp>
+        <p:nvSpPr>
+          <p:cNvPr id="1048681" name="object 3"/>
+          <p:cNvSpPr/>
+          <p:nvPr/>
+        </p:nvSpPr>
+        <p:spPr>
+          <a:xfrm>
+            <a:off x="9353550" y="5362575"/>
+            <a:ext cx="457200" cy="457200"/>
+          </a:xfrm>
+          <a:custGeom>
+            <a:avLst/>
+            <a:ahLst/>
+            <a:rect l="l" t="t" r="r" b="b"/>
+            <a:pathLst>
+              <a:path w="457200" h="457200">
+                <a:moveTo>
+                  <a:pt x="457200" y="0"/>
+                </a:moveTo>
+                <a:lnTo>
+                  <a:pt x="0" y="0"/>
+                </a:lnTo>
+                <a:lnTo>
+                  <a:pt x="0" y="457200"/>
+                </a:lnTo>
+                <a:lnTo>
+                  <a:pt x="457200" y="457200"/>
+                </a:lnTo>
+                <a:lnTo>
+                  <a:pt x="457200" y="0"/>
+                </a:lnTo>
+                <a:close/>
+              </a:path>
+            </a:pathLst>
+          </a:custGeom>
+          <a:solidFill>
+            <a:srgbClr val="42AF51"/>
+          </a:solidFill>
+        </p:spPr>
+        <p:txBody>
+          <a:bodyPr bIns="0" lIns="0" rIns="0" rtlCol="0" tIns="0" wrap="square"/>
+          <a:p/>
+        </p:txBody>
+      </p:sp>
+      <p:sp>
+        <p:nvSpPr>
+          <p:cNvPr id="1048682" name="object 4"/>
+          <p:cNvSpPr/>
+          <p:nvPr/>
+        </p:nvSpPr>
+        <p:spPr>
+          <a:xfrm>
+            <a:off x="6696075" y="1695450"/>
+            <a:ext cx="314325" cy="323850"/>
+          </a:xfrm>
+          <a:custGeom>
+            <a:avLst/>
+            <a:ahLst/>
+            <a:rect l="l" t="t" r="r" b="b"/>
+            <a:pathLst>
+              <a:path w="314325" h="323850">
+                <a:moveTo>
+                  <a:pt x="314325" y="0"/>
+                </a:moveTo>
+                <a:lnTo>
+                  <a:pt x="0" y="0"/>
+                </a:lnTo>
+                <a:lnTo>
+                  <a:pt x="0" y="323850"/>
+                </a:lnTo>
+                <a:lnTo>
+                  <a:pt x="314325" y="323850"/>
+                </a:lnTo>
+                <a:lnTo>
+                  <a:pt x="314325" y="0"/>
+                </a:lnTo>
+                <a:close/>
+              </a:path>
+            </a:pathLst>
+          </a:custGeom>
+          <a:solidFill>
+            <a:srgbClr val="2D83C3"/>
+          </a:solidFill>
+        </p:spPr>
+        <p:txBody>
+          <a:bodyPr bIns="0" lIns="0" rIns="0" rtlCol="0" tIns="0" wrap="square"/>
+          <a:p/>
+        </p:txBody>
+      </p:sp>
+      <p:sp>
+        <p:nvSpPr>
+          <p:cNvPr id="1048683" name="object 5"/>
+          <p:cNvSpPr/>
+          <p:nvPr/>
+        </p:nvSpPr>
+        <p:spPr>
+          <a:xfrm>
+            <a:off x="9353550" y="5895975"/>
+            <a:ext cx="180975" cy="180975"/>
+          </a:xfrm>
+          <a:custGeom>
+            <a:avLst/>
+            <a:ahLst/>
+            <a:rect l="l" t="t" r="r" b="b"/>
+            <a:pathLst>
+              <a:path w="180975" h="180975">
+                <a:moveTo>
+                  <a:pt x="180975" y="0"/>
+                </a:moveTo>
+                <a:lnTo>
+                  <a:pt x="0" y="0"/>
+                </a:lnTo>
+                <a:lnTo>
+                  <a:pt x="0" y="180975"/>
+                </a:lnTo>
+                <a:lnTo>
+                  <a:pt x="180975" y="180975"/>
+                </a:lnTo>
+                <a:lnTo>
+                  <a:pt x="180975" y="0"/>
+                </a:lnTo>
+                <a:close/>
+              </a:path>
+            </a:pathLst>
+          </a:custGeom>
+          <a:solidFill>
+            <a:srgbClr val="2D936B"/>
+          </a:solidFill>
+        </p:spPr>
+        <p:txBody>
+          <a:bodyPr bIns="0" lIns="0" rIns="0" rtlCol="0" tIns="0" wrap="square"/>
+          <a:p/>
+        </p:txBody>
+      </p:sp>
+      <p:sp>
+        <p:nvSpPr>
+          <p:cNvPr id="1048684" name="object 6"/>
+          <p:cNvSpPr txBox="1">
+            <a:spLocks noGrp="1"/>
+          </p:cNvSpPr>
+          <p:nvPr>
+            <p:ph type="title"/>
+          </p:nvPr>
+        </p:nvSpPr>
+        <p:spPr>
+          <a:xfrm>
+            <a:off x="558165" y="857885"/>
+            <a:ext cx="9763125" cy="546736"/>
+          </a:xfrm>
+          <a:prstGeom prst="rect"/>
+        </p:spPr>
+        <p:txBody>
+          <a:bodyPr bIns="0" lIns="0" rIns="0" rtlCol="0" tIns="13335" vert="horz" wrap="square">
+            <a:spAutoFit/>
+          </a:bodyPr>
+          <a:p>
+            <a:pPr marL="12700">
+              <a:lnSpc>
+                <a:spcPct val="100000"/>
+              </a:lnSpc>
+              <a:spcBef>
+                <a:spcPts val="105"/>
+              </a:spcBef>
+            </a:pPr>
+            <a:r>
+              <a:rPr dirty="0" sz="3600" lang="en-IN" spc="10"/>
+              <a:t>TOOLS AND TECHNIQUES</a:t>
+            </a:r>
+            <a:endParaRPr dirty="0" sz="3600"/>
+          </a:p>
+        </p:txBody>
+      </p:sp>
+      <p:pic>
+        <p:nvPicPr>
+          <p:cNvPr id="2097167" name="object 7"/>
+          <p:cNvPicPr>
+            <a:picLocks/>
+          </p:cNvPicPr>
+          <p:nvPr/>
+        </p:nvPicPr>
+        <p:blipFill>
+          <a:blip xmlns:r="http://schemas.openxmlformats.org/officeDocument/2006/relationships" r:embed="rId2" cstate="print"/>
+          <a:stretch>
+            <a:fillRect/>
+          </a:stretch>
+        </p:blipFill>
+        <p:spPr>
+          <a:xfrm>
+            <a:off x="676275" y="6467475"/>
+            <a:ext cx="2143125" cy="200025"/>
+          </a:xfrm>
+          <a:prstGeom prst="rect"/>
+        </p:spPr>
+      </p:pic>
+      <p:sp>
+        <p:nvSpPr>
+          <p:cNvPr id="1048685" name="object 9"/>
+          <p:cNvSpPr txBox="1">
+            <a:spLocks noGrp="1"/>
+          </p:cNvSpPr>
+          <p:nvPr>
+            <p:ph type="sldNum" sz="quarter" idx="7"/>
+          </p:nvPr>
+        </p:nvSpPr>
+        <p:spPr>
+          <a:prstGeom prst="rect"/>
+        </p:spPr>
+        <p:txBody>
+          <a:bodyPr bIns="0" lIns="0" rIns="0" rtlCol="0" tIns="6985" vert="horz" wrap="square">
+            <a:spAutoFit/>
+          </a:bodyPr>
+          <a:p>
+            <a:pPr marL="38100">
+              <a:lnSpc>
+                <a:spcPct val="100000"/>
+              </a:lnSpc>
+              <a:spcBef>
+                <a:spcPts val="55"/>
+              </a:spcBef>
+            </a:pPr>
+            <a:fld id="{81D60167-4931-47E6-BA6A-407CBD079E47}" type="slidenum">
+              <a:rPr dirty="0" spc="10"/>
+              <a:t>7</a:t>
+            </a:fld>
+            <a:endParaRPr dirty="0" spc="10"/>
+          </a:p>
+        </p:txBody>
+      </p:sp>
+      <p:sp>
+        <p:nvSpPr>
+          <p:cNvPr id="1048686" name="Rectangle 7"/>
+          <p:cNvSpPr/>
+          <p:nvPr/>
+        </p:nvSpPr>
+        <p:spPr>
+          <a:xfrm>
+            <a:off x="3048000" y="1813173"/>
+            <a:ext cx="6096000" cy="3291840"/>
+          </a:xfrm>
+          <a:prstGeom prst="rect"/>
+        </p:spPr>
+        <p:txBody>
+          <a:bodyPr>
+            <a:spAutoFit/>
+          </a:bodyPr>
+          <a:p>
+            <a:r>
+              <a:rPr b="1" dirty="0" sz="1200" lang="en-US">
+                <a:latin typeface="Times New Roman" panose="02020603050405020304" pitchFamily="18" charset="0"/>
+                <a:cs typeface="Times New Roman" panose="02020603050405020304" pitchFamily="18" charset="0"/>
+              </a:rPr>
+              <a:t>Tools</a:t>
+            </a:r>
+          </a:p>
+          <a:p>
+            <a:pPr>
+              <a:buFont typeface="+mj-lt"/>
+              <a:buAutoNum type="arabicPeriod"/>
+            </a:pPr>
+            <a:r>
+              <a:rPr b="1" dirty="0" sz="1200" lang="en-US">
+                <a:latin typeface="Times New Roman" panose="02020603050405020304" pitchFamily="18" charset="0"/>
+                <a:cs typeface="Times New Roman" panose="02020603050405020304" pitchFamily="18" charset="0"/>
+              </a:rPr>
+              <a:t>Web Development Tools</a:t>
+            </a:r>
+            <a:r>
+              <a:rPr dirty="0" sz="1200" lang="en-US">
+                <a:latin typeface="Times New Roman" panose="02020603050405020304" pitchFamily="18" charset="0"/>
+                <a:cs typeface="Times New Roman" panose="02020603050405020304" pitchFamily="18" charset="0"/>
+              </a:rPr>
+              <a:t> – HTML, CSS, JavaScript for creating and styling the portfolio.</a:t>
+            </a:r>
+          </a:p>
+          <a:p>
+            <a:pPr>
+              <a:buFont typeface="+mj-lt"/>
+              <a:buAutoNum type="arabicPeriod"/>
+            </a:pPr>
+            <a:r>
+              <a:rPr b="1" dirty="0" sz="1200" lang="en-US">
+                <a:latin typeface="Times New Roman" panose="02020603050405020304" pitchFamily="18" charset="0"/>
+                <a:cs typeface="Times New Roman" panose="02020603050405020304" pitchFamily="18" charset="0"/>
+              </a:rPr>
+              <a:t>Content Management Systems (CMS)</a:t>
+            </a:r>
+            <a:r>
+              <a:rPr dirty="0" sz="1200" lang="en-US">
+                <a:latin typeface="Times New Roman" panose="02020603050405020304" pitchFamily="18" charset="0"/>
+                <a:cs typeface="Times New Roman" panose="02020603050405020304" pitchFamily="18" charset="0"/>
+              </a:rPr>
+              <a:t> – </a:t>
+            </a:r>
+            <a:r>
+              <a:rPr dirty="0" sz="1200" lang="en-US" err="1">
+                <a:latin typeface="Times New Roman" panose="02020603050405020304" pitchFamily="18" charset="0"/>
+                <a:cs typeface="Times New Roman" panose="02020603050405020304" pitchFamily="18" charset="0"/>
+              </a:rPr>
+              <a:t>WordPress</a:t>
+            </a:r>
+            <a:r>
+              <a:rPr dirty="0" sz="1200" lang="en-US">
+                <a:latin typeface="Times New Roman" panose="02020603050405020304" pitchFamily="18" charset="0"/>
+                <a:cs typeface="Times New Roman" panose="02020603050405020304" pitchFamily="18" charset="0"/>
+              </a:rPr>
+              <a:t>, </a:t>
+            </a:r>
+            <a:r>
+              <a:rPr dirty="0" sz="1200" lang="en-US" err="1">
+                <a:latin typeface="Times New Roman" panose="02020603050405020304" pitchFamily="18" charset="0"/>
+                <a:cs typeface="Times New Roman" panose="02020603050405020304" pitchFamily="18" charset="0"/>
+              </a:rPr>
+              <a:t>Wix</a:t>
+            </a:r>
+            <a:r>
+              <a:rPr dirty="0" sz="1200" lang="en-US">
+                <a:latin typeface="Times New Roman" panose="02020603050405020304" pitchFamily="18" charset="0"/>
+                <a:cs typeface="Times New Roman" panose="02020603050405020304" pitchFamily="18" charset="0"/>
+              </a:rPr>
+              <a:t>, or Google Sites for easy portfolio creation.</a:t>
+            </a:r>
+          </a:p>
+          <a:p>
+            <a:pPr>
+              <a:buFont typeface="+mj-lt"/>
+              <a:buAutoNum type="arabicPeriod"/>
+            </a:pPr>
+            <a:r>
+              <a:rPr b="1" dirty="0" sz="1200" lang="en-US">
+                <a:latin typeface="Times New Roman" panose="02020603050405020304" pitchFamily="18" charset="0"/>
+                <a:cs typeface="Times New Roman" panose="02020603050405020304" pitchFamily="18" charset="0"/>
+              </a:rPr>
+              <a:t>Design Tools</a:t>
+            </a:r>
+            <a:r>
+              <a:rPr dirty="0" sz="1200" lang="en-US">
+                <a:latin typeface="Times New Roman" panose="02020603050405020304" pitchFamily="18" charset="0"/>
+                <a:cs typeface="Times New Roman" panose="02020603050405020304" pitchFamily="18" charset="0"/>
+              </a:rPr>
+              <a:t> – </a:t>
+            </a:r>
+            <a:r>
+              <a:rPr dirty="0" sz="1200" lang="en-US" err="1">
+                <a:latin typeface="Times New Roman" panose="02020603050405020304" pitchFamily="18" charset="0"/>
+                <a:cs typeface="Times New Roman" panose="02020603050405020304" pitchFamily="18" charset="0"/>
+              </a:rPr>
+              <a:t>Canva</a:t>
+            </a:r>
+            <a:r>
+              <a:rPr dirty="0" sz="1200" lang="en-US">
+                <a:latin typeface="Times New Roman" panose="02020603050405020304" pitchFamily="18" charset="0"/>
+                <a:cs typeface="Times New Roman" panose="02020603050405020304" pitchFamily="18" charset="0"/>
+              </a:rPr>
+              <a:t>, </a:t>
+            </a:r>
+            <a:r>
+              <a:rPr dirty="0" sz="1200" lang="en-US" err="1">
+                <a:latin typeface="Times New Roman" panose="02020603050405020304" pitchFamily="18" charset="0"/>
+                <a:cs typeface="Times New Roman" panose="02020603050405020304" pitchFamily="18" charset="0"/>
+              </a:rPr>
+              <a:t>Figma</a:t>
+            </a:r>
+            <a:r>
+              <a:rPr dirty="0" sz="1200" lang="en-US">
+                <a:latin typeface="Times New Roman" panose="02020603050405020304" pitchFamily="18" charset="0"/>
+                <a:cs typeface="Times New Roman" panose="02020603050405020304" pitchFamily="18" charset="0"/>
+              </a:rPr>
+              <a:t>, Adobe XD, Photoshop for graphics and layout.</a:t>
+            </a:r>
+          </a:p>
+          <a:p>
+            <a:pPr>
+              <a:buFont typeface="+mj-lt"/>
+              <a:buAutoNum type="arabicPeriod"/>
+            </a:pPr>
+            <a:r>
+              <a:rPr b="1" dirty="0" sz="1200" lang="en-US">
+                <a:latin typeface="Times New Roman" panose="02020603050405020304" pitchFamily="18" charset="0"/>
+                <a:cs typeface="Times New Roman" panose="02020603050405020304" pitchFamily="18" charset="0"/>
+              </a:rPr>
+              <a:t>Code Editors</a:t>
+            </a:r>
+            <a:r>
+              <a:rPr dirty="0" sz="1200" lang="en-US">
+                <a:latin typeface="Times New Roman" panose="02020603050405020304" pitchFamily="18" charset="0"/>
+                <a:cs typeface="Times New Roman" panose="02020603050405020304" pitchFamily="18" charset="0"/>
+              </a:rPr>
+              <a:t> – Visual Studio Code, Sublime Text for coding and customization.</a:t>
+            </a:r>
+          </a:p>
+          <a:p>
+            <a:pPr>
+              <a:buFont typeface="+mj-lt"/>
+              <a:buAutoNum type="arabicPeriod"/>
+            </a:pPr>
+            <a:r>
+              <a:rPr b="1" dirty="0" sz="1200" lang="en-US">
+                <a:latin typeface="Times New Roman" panose="02020603050405020304" pitchFamily="18" charset="0"/>
+                <a:cs typeface="Times New Roman" panose="02020603050405020304" pitchFamily="18" charset="0"/>
+              </a:rPr>
+              <a:t>Hosting Platforms</a:t>
+            </a:r>
+            <a:r>
+              <a:rPr dirty="0" sz="1200" lang="en-US">
+                <a:latin typeface="Times New Roman" panose="02020603050405020304" pitchFamily="18" charset="0"/>
+                <a:cs typeface="Times New Roman" panose="02020603050405020304" pitchFamily="18" charset="0"/>
+              </a:rPr>
+              <a:t> – </a:t>
+            </a:r>
+            <a:r>
+              <a:rPr dirty="0" sz="1200" lang="en-US" err="1">
+                <a:latin typeface="Times New Roman" panose="02020603050405020304" pitchFamily="18" charset="0"/>
+                <a:cs typeface="Times New Roman" panose="02020603050405020304" pitchFamily="18" charset="0"/>
+              </a:rPr>
+              <a:t>GitHub</a:t>
+            </a:r>
+            <a:r>
+              <a:rPr dirty="0" sz="1200" lang="en-US">
+                <a:latin typeface="Times New Roman" panose="02020603050405020304" pitchFamily="18" charset="0"/>
+                <a:cs typeface="Times New Roman" panose="02020603050405020304" pitchFamily="18" charset="0"/>
+              </a:rPr>
+              <a:t> Pages, </a:t>
+            </a:r>
+            <a:r>
+              <a:rPr dirty="0" sz="1200" lang="en-US" err="1">
+                <a:latin typeface="Times New Roman" panose="02020603050405020304" pitchFamily="18" charset="0"/>
+                <a:cs typeface="Times New Roman" panose="02020603050405020304" pitchFamily="18" charset="0"/>
+              </a:rPr>
+              <a:t>Netlify</a:t>
+            </a:r>
+            <a:r>
+              <a:rPr dirty="0" sz="1200" lang="en-US">
+                <a:latin typeface="Times New Roman" panose="02020603050405020304" pitchFamily="18" charset="0"/>
+                <a:cs typeface="Times New Roman" panose="02020603050405020304" pitchFamily="18" charset="0"/>
+              </a:rPr>
+              <a:t>, or personal domain hosting to publish the portfolio.</a:t>
+            </a:r>
+          </a:p>
+          <a:p>
+            <a:r>
+              <a:rPr b="1" dirty="0" sz="1200" lang="en-US">
+                <a:latin typeface="Times New Roman" panose="02020603050405020304" pitchFamily="18" charset="0"/>
+                <a:cs typeface="Times New Roman" panose="02020603050405020304" pitchFamily="18" charset="0"/>
+              </a:rPr>
+              <a:t>Techniques</a:t>
+            </a:r>
+          </a:p>
+          <a:p>
+            <a:pPr>
+              <a:buFont typeface="+mj-lt"/>
+              <a:buAutoNum type="arabicPeriod"/>
+            </a:pPr>
+            <a:r>
+              <a:rPr b="1" dirty="0" sz="1200" lang="en-US">
+                <a:latin typeface="Times New Roman" panose="02020603050405020304" pitchFamily="18" charset="0"/>
+                <a:cs typeface="Times New Roman" panose="02020603050405020304" pitchFamily="18" charset="0"/>
+              </a:rPr>
+              <a:t>Responsive Web Design</a:t>
+            </a:r>
+            <a:r>
+              <a:rPr dirty="0" sz="1200" lang="en-US">
+                <a:latin typeface="Times New Roman" panose="02020603050405020304" pitchFamily="18" charset="0"/>
+                <a:cs typeface="Times New Roman" panose="02020603050405020304" pitchFamily="18" charset="0"/>
+              </a:rPr>
+              <a:t> – ensuring the portfolio works on all devices (desktop, tablet, mobile).</a:t>
+            </a:r>
+          </a:p>
+          <a:p>
+            <a:pPr>
+              <a:buFont typeface="+mj-lt"/>
+              <a:buAutoNum type="arabicPeriod"/>
+            </a:pPr>
+            <a:r>
+              <a:rPr b="1" dirty="0" sz="1200" lang="en-US">
+                <a:latin typeface="Times New Roman" panose="02020603050405020304" pitchFamily="18" charset="0"/>
+                <a:cs typeface="Times New Roman" panose="02020603050405020304" pitchFamily="18" charset="0"/>
+              </a:rPr>
+              <a:t>UI/UX Design Principles</a:t>
+            </a:r>
+            <a:r>
+              <a:rPr dirty="0" sz="1200" lang="en-US">
+                <a:latin typeface="Times New Roman" panose="02020603050405020304" pitchFamily="18" charset="0"/>
+                <a:cs typeface="Times New Roman" panose="02020603050405020304" pitchFamily="18" charset="0"/>
+              </a:rPr>
+              <a:t> – making the portfolio attractive and user-friendly.</a:t>
+            </a:r>
+          </a:p>
+          <a:p>
+            <a:pPr>
+              <a:buFont typeface="+mj-lt"/>
+              <a:buAutoNum type="arabicPeriod"/>
+            </a:pPr>
+            <a:r>
+              <a:rPr b="1" dirty="0" sz="1200" lang="en-US">
+                <a:latin typeface="Times New Roman" panose="02020603050405020304" pitchFamily="18" charset="0"/>
+                <a:cs typeface="Times New Roman" panose="02020603050405020304" pitchFamily="18" charset="0"/>
+              </a:rPr>
+              <a:t>Multimedia Integration</a:t>
+            </a:r>
+            <a:r>
+              <a:rPr dirty="0" sz="1200" lang="en-US">
+                <a:latin typeface="Times New Roman" panose="02020603050405020304" pitchFamily="18" charset="0"/>
+                <a:cs typeface="Times New Roman" panose="02020603050405020304" pitchFamily="18" charset="0"/>
+              </a:rPr>
+              <a:t> – adding images, videos, project demos, and links.</a:t>
+            </a:r>
+          </a:p>
+          <a:p>
+            <a:pPr>
+              <a:buFont typeface="+mj-lt"/>
+              <a:buAutoNum type="arabicPeriod"/>
+            </a:pPr>
+            <a:r>
+              <a:rPr b="1" dirty="0" sz="1200" lang="en-US">
+                <a:latin typeface="Times New Roman" panose="02020603050405020304" pitchFamily="18" charset="0"/>
+                <a:cs typeface="Times New Roman" panose="02020603050405020304" pitchFamily="18" charset="0"/>
+              </a:rPr>
+              <a:t>Interactive Elements</a:t>
+            </a:r>
+            <a:r>
+              <a:rPr dirty="0" sz="1200" lang="en-US">
+                <a:latin typeface="Times New Roman" panose="02020603050405020304" pitchFamily="18" charset="0"/>
+                <a:cs typeface="Times New Roman" panose="02020603050405020304" pitchFamily="18" charset="0"/>
+              </a:rPr>
+              <a:t> – using animations, hover effects, or navigation menus for better engagement.</a:t>
+            </a:r>
+          </a:p>
+          <a:p>
+            <a:pPr>
+              <a:buFont typeface="+mj-lt"/>
+              <a:buAutoNum type="arabicPeriod"/>
+            </a:pPr>
+            <a:r>
+              <a:rPr b="1" dirty="0" sz="1200" lang="en-US">
+                <a:latin typeface="Times New Roman" panose="02020603050405020304" pitchFamily="18" charset="0"/>
+                <a:cs typeface="Times New Roman" panose="02020603050405020304" pitchFamily="18" charset="0"/>
+              </a:rPr>
+              <a:t>Search Engine Optimization (SEO)</a:t>
+            </a:r>
+            <a:r>
+              <a:rPr dirty="0" sz="1200" lang="en-US">
+                <a:latin typeface="Times New Roman" panose="02020603050405020304" pitchFamily="18" charset="0"/>
+                <a:cs typeface="Times New Roman" panose="02020603050405020304" pitchFamily="18" charset="0"/>
+              </a:rPr>
+              <a:t> – improving visibility so that the portfolio can be easily found online.</a:t>
+            </a:r>
+          </a:p>
+        </p:txBody>
+      </p:sp>
+    </p:spTree>
+  </p:cSld>
+  <p:clrMapOvr>
+    <a:masterClrMapping/>
+  </p:clrMapOvr>
+</p:sld>
+</file>
+
+<file path=ppt/slides/slide8.xml><?xml version="1.0" encoding="utf-8"?>
+<p:sld xmlns:a="http://schemas.openxmlformats.org/drawingml/2006/main" xmlns:r="http://schemas.openxmlformats.org/officeDocument/2006/relationships" xmlns:p="http://schemas.openxmlformats.org/presentationml/2006/main">
+  <p:cSld>
+    <p:spTree>
+      <p:nvGrpSpPr>
+        <p:cNvPr id="24" name=""/>
+        <p:cNvGrpSpPr/>
+        <p:nvPr/>
+      </p:nvGrpSpPr>
+      <p:grpSpPr>
+        <a:xfrm>
+          <a:off x="0" y="0"/>
+          <a:ext cx="0" cy="0"/>
+          <a:chOff x="0" y="0"/>
+          <a:chExt cx="0" cy="0"/>
+        </a:xfrm>
+      </p:grpSpPr>
+      <p:sp>
+        <p:nvSpPr>
+          <p:cNvPr id="1048615" name="object 5"/>
+          <p:cNvSpPr/>
+          <p:nvPr/>
+        </p:nvSpPr>
+        <p:spPr>
+          <a:xfrm>
+            <a:off x="9353550" y="5895975"/>
+            <a:ext cx="180975" cy="180975"/>
+          </a:xfrm>
+          <a:custGeom>
+            <a:avLst/>
+            <a:ahLst/>
+            <a:rect l="l" t="t" r="r" b="b"/>
+            <a:pathLst>
+              <a:path w="180975" h="180975">
+                <a:moveTo>
+                  <a:pt x="180975" y="0"/>
+                </a:moveTo>
+                <a:lnTo>
+                  <a:pt x="0" y="0"/>
+                </a:lnTo>
+                <a:lnTo>
+                  <a:pt x="0" y="180975"/>
+                </a:lnTo>
+                <a:lnTo>
+                  <a:pt x="180975" y="180975"/>
+                </a:lnTo>
+                <a:lnTo>
+                  <a:pt x="180975" y="0"/>
+                </a:lnTo>
+                <a:close/>
+              </a:path>
+            </a:pathLst>
+          </a:custGeom>
+          <a:solidFill>
+            <a:srgbClr val="2D936B"/>
+          </a:solidFill>
+        </p:spPr>
+        <p:txBody>
+          <a:bodyPr bIns="0" lIns="0" rIns="0" rtlCol="0" tIns="0" wrap="square"/>
+          <a:p/>
+        </p:txBody>
+      </p:sp>
+      <p:pic>
+        <p:nvPicPr>
+          <p:cNvPr id="2097154" name="object 6"/>
+          <p:cNvPicPr>
+            <a:picLocks/>
+          </p:cNvPicPr>
+          <p:nvPr/>
+        </p:nvPicPr>
+        <p:blipFill>
+          <a:blip xmlns:r="http://schemas.openxmlformats.org/officeDocument/2006/relationships" r:embed="rId1" cstate="print"/>
+          <a:stretch>
+            <a:fillRect/>
+          </a:stretch>
+        </p:blipFill>
+        <p:spPr>
+          <a:xfrm>
             <a:off x="1666875" y="6467475"/>
             <a:ext cx="76200" cy="177800"/>
           </a:xfrm>
@@ -7638,7 +7660,7 @@
       </p:pic>
       <p:sp>
         <p:nvSpPr>
-          <p:cNvPr id="1048668" name="object 9"/>
+          <p:cNvPr id="1048616" name="object 9"/>
           <p:cNvSpPr txBox="1"/>
           <p:nvPr/>
         </p:nvSpPr>
@@ -7681,7 +7703,7 @@
       </p:sp>
       <p:sp>
         <p:nvSpPr>
-          <p:cNvPr id="1048669" name="object 8"/>
+          <p:cNvPr id="1048617" name="object 8"/>
           <p:cNvSpPr txBox="1"/>
           <p:nvPr/>
         </p:nvSpPr>
@@ -7721,7 +7743,7 @@
       </p:sp>
       <p:sp>
         <p:nvSpPr>
-          <p:cNvPr id="1048670" name="object 3"/>
+          <p:cNvPr id="1048618" name="object 3"/>
           <p:cNvSpPr/>
           <p:nvPr/>
         </p:nvSpPr>
@@ -7766,7 +7788,7 @@
       </p:sp>
       <p:sp>
         <p:nvSpPr>
-          <p:cNvPr id="1048710" name=""/>
+          <p:cNvPr id="1048619" name=""/>
           <p:cNvSpPr txBox="1"/>
           <p:nvPr/>
         </p:nvSpPr>
@@ -7914,7 +7936,7 @@
   <p:cSld>
     <p:spTree>
       <p:nvGrpSpPr>
-        <p:cNvPr id="38" name=""/>
+        <p:cNvPr id="22" name=""/>
         <p:cNvGrpSpPr/>
         <p:nvPr/>
       </p:nvGrpSpPr>
@@ -7928,7 +7950,7 @@
       </p:grpSpPr>
       <p:sp>
         <p:nvSpPr>
-          <p:cNvPr id="1048671" name="Title 1"/>
+          <p:cNvPr id="1048608" name="Title 1"/>
           <p:cNvSpPr>
             <a:spLocks noGrp="1"/>
           </p:cNvSpPr>
@@ -7954,7 +7976,7 @@
       </p:sp>
       <p:sp>
         <p:nvSpPr>
-          <p:cNvPr id="1048672" name="Rectangle 2"/>
+          <p:cNvPr id="1048609" name="Rectangle 2"/>
           <p:cNvSpPr/>
           <p:nvPr/>
         </p:nvSpPr>
